--- a/Supplemental Figures.pptx
+++ b/Supplemental Figures.pptx
@@ -7,8 +7,6 @@
   <p:sldIdLst>
     <p:sldId id="256" r:id="rId2"/>
     <p:sldId id="257" r:id="rId3"/>
-    <p:sldId id="258" r:id="rId4"/>
-    <p:sldId id="259" r:id="rId5"/>
   </p:sldIdLst>
   <p:sldSz cx="7772400" cy="10058400"/>
   <p:notesSz cx="6858000" cy="9144000"/>
@@ -107,6 +105,11 @@
       </a:defRPr>
     </a:lvl9pPr>
   </p:defaultTextStyle>
+  <p:extLst>
+    <p:ext uri="{EFAFB233-063F-42B5-8137-9DF3F51BA10A}">
+      <p15:sldGuideLst xmlns:p15="http://schemas.microsoft.com/office/powerpoint/2012/main"/>
+    </p:ext>
+  </p:extLst>
 </p:presentation>
 </file>
 
@@ -241,7 +244,7 @@
           <a:p>
             <a:fld id="{95B3ABA4-46C5-9042-A060-0BC9209497B0}" type="datetimeFigureOut">
               <a:rPr lang="en-US" smtClean="0"/>
-              <a:t>10/29/18</a:t>
+              <a:t>10/31/18</a:t>
             </a:fld>
             <a:endParaRPr lang="en-US"/>
           </a:p>
@@ -411,7 +414,7 @@
           <a:p>
             <a:fld id="{95B3ABA4-46C5-9042-A060-0BC9209497B0}" type="datetimeFigureOut">
               <a:rPr lang="en-US" smtClean="0"/>
-              <a:t>10/29/18</a:t>
+              <a:t>10/31/18</a:t>
             </a:fld>
             <a:endParaRPr lang="en-US"/>
           </a:p>
@@ -591,7 +594,7 @@
           <a:p>
             <a:fld id="{95B3ABA4-46C5-9042-A060-0BC9209497B0}" type="datetimeFigureOut">
               <a:rPr lang="en-US" smtClean="0"/>
-              <a:t>10/29/18</a:t>
+              <a:t>10/31/18</a:t>
             </a:fld>
             <a:endParaRPr lang="en-US"/>
           </a:p>
@@ -761,7 +764,7 @@
           <a:p>
             <a:fld id="{95B3ABA4-46C5-9042-A060-0BC9209497B0}" type="datetimeFigureOut">
               <a:rPr lang="en-US" smtClean="0"/>
-              <a:t>10/29/18</a:t>
+              <a:t>10/31/18</a:t>
             </a:fld>
             <a:endParaRPr lang="en-US"/>
           </a:p>
@@ -1005,7 +1008,7 @@
           <a:p>
             <a:fld id="{95B3ABA4-46C5-9042-A060-0BC9209497B0}" type="datetimeFigureOut">
               <a:rPr lang="en-US" smtClean="0"/>
-              <a:t>10/29/18</a:t>
+              <a:t>10/31/18</a:t>
             </a:fld>
             <a:endParaRPr lang="en-US"/>
           </a:p>
@@ -1237,7 +1240,7 @@
           <a:p>
             <a:fld id="{95B3ABA4-46C5-9042-A060-0BC9209497B0}" type="datetimeFigureOut">
               <a:rPr lang="en-US" smtClean="0"/>
-              <a:t>10/29/18</a:t>
+              <a:t>10/31/18</a:t>
             </a:fld>
             <a:endParaRPr lang="en-US"/>
           </a:p>
@@ -1604,7 +1607,7 @@
           <a:p>
             <a:fld id="{95B3ABA4-46C5-9042-A060-0BC9209497B0}" type="datetimeFigureOut">
               <a:rPr lang="en-US" smtClean="0"/>
-              <a:t>10/29/18</a:t>
+              <a:t>10/31/18</a:t>
             </a:fld>
             <a:endParaRPr lang="en-US"/>
           </a:p>
@@ -1722,7 +1725,7 @@
           <a:p>
             <a:fld id="{95B3ABA4-46C5-9042-A060-0BC9209497B0}" type="datetimeFigureOut">
               <a:rPr lang="en-US" smtClean="0"/>
-              <a:t>10/29/18</a:t>
+              <a:t>10/31/18</a:t>
             </a:fld>
             <a:endParaRPr lang="en-US"/>
           </a:p>
@@ -1817,7 +1820,7 @@
           <a:p>
             <a:fld id="{95B3ABA4-46C5-9042-A060-0BC9209497B0}" type="datetimeFigureOut">
               <a:rPr lang="en-US" smtClean="0"/>
-              <a:t>10/29/18</a:t>
+              <a:t>10/31/18</a:t>
             </a:fld>
             <a:endParaRPr lang="en-US"/>
           </a:p>
@@ -2094,7 +2097,7 @@
           <a:p>
             <a:fld id="{95B3ABA4-46C5-9042-A060-0BC9209497B0}" type="datetimeFigureOut">
               <a:rPr lang="en-US" smtClean="0"/>
-              <a:t>10/29/18</a:t>
+              <a:t>10/31/18</a:t>
             </a:fld>
             <a:endParaRPr lang="en-US"/>
           </a:p>
@@ -2351,7 +2354,7 @@
           <a:p>
             <a:fld id="{95B3ABA4-46C5-9042-A060-0BC9209497B0}" type="datetimeFigureOut">
               <a:rPr lang="en-US" smtClean="0"/>
-              <a:t>10/29/18</a:t>
+              <a:t>10/31/18</a:t>
             </a:fld>
             <a:endParaRPr lang="en-US"/>
           </a:p>
@@ -2564,7 +2567,7 @@
           <a:p>
             <a:fld id="{95B3ABA4-46C5-9042-A060-0BC9209497B0}" type="datetimeFigureOut">
               <a:rPr lang="en-US" smtClean="0"/>
-              <a:t>10/29/18</a:t>
+              <a:t>10/31/18</a:t>
             </a:fld>
             <a:endParaRPr lang="en-US"/>
           </a:p>
@@ -2971,45 +2974,10 @@
       </p:grpSpPr>
       <p:sp>
         <p:nvSpPr>
-          <p:cNvPr id="4" name="TextBox 3">
+          <p:cNvPr id="2" name="Rectangle 1">
             <a:extLst>
               <a:ext uri="{FF2B5EF4-FFF2-40B4-BE49-F238E27FC236}">
-                <a16:creationId xmlns:a16="http://schemas.microsoft.com/office/drawing/2014/main" id="{0C370B59-F5F9-9B43-8DFF-52692F2EF681}"/>
-              </a:ext>
-            </a:extLst>
-          </p:cNvPr>
-          <p:cNvSpPr txBox="1"/>
-          <p:nvPr/>
-        </p:nvSpPr>
-        <p:spPr>
-          <a:xfrm>
-            <a:off x="0" y="91143"/>
-            <a:ext cx="377026" cy="276999"/>
-          </a:xfrm>
-          <a:prstGeom prst="rect">
-            <a:avLst/>
-          </a:prstGeom>
-          <a:noFill/>
-        </p:spPr>
-        <p:txBody>
-          <a:bodyPr wrap="none" rtlCol="0">
-            <a:spAutoFit/>
-          </a:bodyPr>
-          <a:lstStyle/>
-          <a:p>
-            <a:r>
-              <a:rPr lang="en-US" sz="1200" b="1" dirty="0"/>
-              <a:t>S1.</a:t>
-            </a:r>
-          </a:p>
-        </p:txBody>
-      </p:sp>
-      <p:sp>
-        <p:nvSpPr>
-          <p:cNvPr id="5" name="Rectangle 4">
-            <a:extLst>
-              <a:ext uri="{FF2B5EF4-FFF2-40B4-BE49-F238E27FC236}">
-                <a16:creationId xmlns:a16="http://schemas.microsoft.com/office/drawing/2014/main" id="{ECAA9FFF-571A-AA41-83C3-D27538CFC64D}"/>
+                <a16:creationId xmlns:a16="http://schemas.microsoft.com/office/drawing/2014/main" id="{35597777-3A14-B84C-96ED-6AD1E2D281F8}"/>
               </a:ext>
             </a:extLst>
           </p:cNvPr>
@@ -3018,8 +2986,8 @@
         </p:nvSpPr>
         <p:spPr>
           <a:xfrm>
-            <a:off x="385740" y="91143"/>
-            <a:ext cx="2156897" cy="276999"/>
+            <a:off x="12413" y="3312606"/>
+            <a:ext cx="3440112" cy="830997"/>
           </a:xfrm>
           <a:prstGeom prst="rect">
             <a:avLst/>
@@ -3031,1377 +2999,94 @@
           </a:bodyPr>
           <a:lstStyle/>
           <a:p>
-            <a:pPr lvl="0" algn="ctr"/>
+            <a:pPr algn="just"/>
             <a:r>
               <a:rPr lang="en-US" sz="1200" b="1" dirty="0">
+                <a:latin typeface="Arial" panose="020B0604020202020204" pitchFamily="34" charset="0"/>
+                <a:ea typeface="Calibri" panose="020F0502020204030204" pitchFamily="34" charset="0"/>
+                <a:cs typeface="Arial" panose="020B0604020202020204" pitchFamily="34" charset="0"/>
+              </a:rPr>
+              <a:t>Supplemental Figure S1</a:t>
+            </a:r>
+            <a:r>
+              <a:rPr lang="en-US" sz="1200" dirty="0">
+                <a:latin typeface="Arial" panose="020B0604020202020204" pitchFamily="34" charset="0"/>
+                <a:ea typeface="Calibri" panose="020F0502020204030204" pitchFamily="34" charset="0"/>
+                <a:cs typeface="Arial" panose="020B0604020202020204" pitchFamily="34" charset="0"/>
+              </a:rPr>
+              <a:t>: </a:t>
+            </a:r>
+            <a:r>
+              <a:rPr lang="en-US" sz="1200" dirty="0">
                 <a:solidFill>
-                  <a:prstClr val="black"/>
+                  <a:srgbClr val="000000"/>
                 </a:solidFill>
+                <a:latin typeface="Arial" panose="020B0604020202020204" pitchFamily="34" charset="0"/>
+                <a:ea typeface="Calibri" panose="020F0502020204030204" pitchFamily="34" charset="0"/>
+                <a:cs typeface="Arial" panose="020B0604020202020204" pitchFamily="34" charset="0"/>
               </a:rPr>
-              <a:t>Unsupervised PCA</a:t>
-            </a:r>
-          </a:p>
-        </p:txBody>
-      </p:sp>
-      <p:sp>
-        <p:nvSpPr>
-          <p:cNvPr id="6" name="TextBox 5">
+              <a:t>Unsupervised two-dimensional principal component analysis using normalized microarray beta values. Black circles (βPRLRKO); Red circles (WT</a:t>
+            </a:r>
+            <a:r>
+              <a:rPr lang="en-US" sz="1200" u="sng" dirty="0">
+                <a:solidFill>
+                  <a:srgbClr val="000000"/>
+                </a:solidFill>
+                <a:latin typeface="Arial" panose="020B0604020202020204" pitchFamily="34" charset="0"/>
+                <a:ea typeface="Calibri" panose="020F0502020204030204" pitchFamily="34" charset="0"/>
+                <a:cs typeface="Arial" panose="020B0604020202020204" pitchFamily="34" charset="0"/>
+              </a:rPr>
+              <a:t>)</a:t>
+            </a:r>
+            <a:r>
+              <a:rPr lang="en-US" sz="1200" dirty="0">
+                <a:solidFill>
+                  <a:srgbClr val="000000"/>
+                </a:solidFill>
+                <a:latin typeface="Arial" panose="020B0604020202020204" pitchFamily="34" charset="0"/>
+                <a:ea typeface="Calibri" panose="020F0502020204030204" pitchFamily="34" charset="0"/>
+                <a:cs typeface="Arial" panose="020B0604020202020204" pitchFamily="34" charset="0"/>
+              </a:rPr>
+              <a:t>.</a:t>
+            </a:r>
+            <a:endParaRPr lang="en-US" sz="1200" dirty="0">
+              <a:latin typeface="Arial" panose="020B0604020202020204" pitchFamily="34" charset="0"/>
+              <a:ea typeface="Calibri" panose="020F0502020204030204" pitchFamily="34" charset="0"/>
+              <a:cs typeface="Arial" panose="020B0604020202020204" pitchFamily="34" charset="0"/>
+            </a:endParaRPr>
+          </a:p>
+        </p:txBody>
+      </p:sp>
+      <p:pic>
+        <p:nvPicPr>
+          <p:cNvPr id="3" name="Picture 2">
             <a:extLst>
               <a:ext uri="{FF2B5EF4-FFF2-40B4-BE49-F238E27FC236}">
-                <a16:creationId xmlns:a16="http://schemas.microsoft.com/office/drawing/2014/main" id="{BC1F5656-7CBB-8D4D-A316-76C66863E53F}"/>
+                <a16:creationId xmlns:a16="http://schemas.microsoft.com/office/drawing/2014/main" id="{17FA60D7-CDA9-C940-AEC8-17A5227F3A2C}"/>
               </a:ext>
             </a:extLst>
           </p:cNvPr>
-          <p:cNvSpPr txBox="1"/>
+          <p:cNvPicPr>
+            <a:picLocks noChangeAspect="1"/>
+          </p:cNvPicPr>
           <p:nvPr/>
-        </p:nvSpPr>
+        </p:nvPicPr>
+        <p:blipFill>
+          <a:blip r:embed="rId2"/>
+          <a:stretch>
+            <a:fillRect/>
+          </a:stretch>
+        </p:blipFill>
         <p:spPr>
           <a:xfrm>
-            <a:off x="191380" y="755268"/>
-            <a:ext cx="360996" cy="246221"/>
+            <a:off x="0" y="0"/>
+            <a:ext cx="3452525" cy="3316711"/>
           </a:xfrm>
           <a:prstGeom prst="rect">
             <a:avLst/>
           </a:prstGeom>
-          <a:noFill/>
         </p:spPr>
-        <p:txBody>
-          <a:bodyPr wrap="none" rtlCol="0">
-            <a:spAutoFit/>
-          </a:bodyPr>
-          <a:lstStyle/>
-          <a:p>
-            <a:pPr algn="r"/>
-            <a:r>
-              <a:rPr lang="en-US" sz="1000" dirty="0"/>
-              <a:t>0.3</a:t>
-            </a:r>
-          </a:p>
-        </p:txBody>
-      </p:sp>
-      <p:sp>
-        <p:nvSpPr>
-          <p:cNvPr id="7" name="TextBox 6">
-            <a:extLst>
-              <a:ext uri="{FF2B5EF4-FFF2-40B4-BE49-F238E27FC236}">
-                <a16:creationId xmlns:a16="http://schemas.microsoft.com/office/drawing/2014/main" id="{4F9F7570-FB8E-7040-A6DD-3A11B1BD628D}"/>
-              </a:ext>
-            </a:extLst>
-          </p:cNvPr>
-          <p:cNvSpPr txBox="1"/>
-          <p:nvPr/>
-        </p:nvSpPr>
-        <p:spPr>
-          <a:xfrm>
-            <a:off x="191380" y="1196191"/>
-            <a:ext cx="360996" cy="246221"/>
-          </a:xfrm>
-          <a:prstGeom prst="rect">
-            <a:avLst/>
-          </a:prstGeom>
-          <a:noFill/>
-        </p:spPr>
-        <p:txBody>
-          <a:bodyPr wrap="none" rtlCol="0">
-            <a:spAutoFit/>
-          </a:bodyPr>
-          <a:lstStyle/>
-          <a:p>
-            <a:pPr algn="r"/>
-            <a:r>
-              <a:rPr lang="en-US" sz="1000" dirty="0"/>
-              <a:t>0.0</a:t>
-            </a:r>
-          </a:p>
-        </p:txBody>
-      </p:sp>
-      <p:sp>
-        <p:nvSpPr>
-          <p:cNvPr id="8" name="TextBox 7">
-            <a:extLst>
-              <a:ext uri="{FF2B5EF4-FFF2-40B4-BE49-F238E27FC236}">
-                <a16:creationId xmlns:a16="http://schemas.microsoft.com/office/drawing/2014/main" id="{1634DD92-D682-AE4E-A81A-97FD18508F86}"/>
-              </a:ext>
-            </a:extLst>
-          </p:cNvPr>
-          <p:cNvSpPr txBox="1"/>
-          <p:nvPr/>
-        </p:nvSpPr>
-        <p:spPr>
-          <a:xfrm>
-            <a:off x="148098" y="1636461"/>
-            <a:ext cx="404278" cy="246221"/>
-          </a:xfrm>
-          <a:prstGeom prst="rect">
-            <a:avLst/>
-          </a:prstGeom>
-          <a:noFill/>
-        </p:spPr>
-        <p:txBody>
-          <a:bodyPr wrap="none" rtlCol="0">
-            <a:spAutoFit/>
-          </a:bodyPr>
-          <a:lstStyle/>
-          <a:p>
-            <a:pPr algn="r"/>
-            <a:r>
-              <a:rPr lang="en-US" sz="1000" dirty="0"/>
-              <a:t>-0.3</a:t>
-            </a:r>
-          </a:p>
-        </p:txBody>
-      </p:sp>
-      <p:sp>
-        <p:nvSpPr>
-          <p:cNvPr id="9" name="TextBox 8">
-            <a:extLst>
-              <a:ext uri="{FF2B5EF4-FFF2-40B4-BE49-F238E27FC236}">
-                <a16:creationId xmlns:a16="http://schemas.microsoft.com/office/drawing/2014/main" id="{D74AB230-2F37-6F46-BF2E-8F9EFFF46BDA}"/>
-              </a:ext>
-            </a:extLst>
-          </p:cNvPr>
-          <p:cNvSpPr txBox="1"/>
-          <p:nvPr/>
-        </p:nvSpPr>
-        <p:spPr>
-          <a:xfrm rot="16200000">
-            <a:off x="-380643" y="1144343"/>
-            <a:ext cx="1063112" cy="276999"/>
-          </a:xfrm>
-          <a:prstGeom prst="rect">
-            <a:avLst/>
-          </a:prstGeom>
-          <a:noFill/>
-        </p:spPr>
-        <p:txBody>
-          <a:bodyPr wrap="none" rtlCol="0">
-            <a:spAutoFit/>
-          </a:bodyPr>
-          <a:lstStyle/>
-          <a:p>
-            <a:r>
-              <a:rPr lang="en-US" sz="1200" b="1" dirty="0"/>
-              <a:t>PC2 (20.5%)</a:t>
-            </a:r>
-          </a:p>
-        </p:txBody>
-      </p:sp>
-      <p:sp>
-        <p:nvSpPr>
-          <p:cNvPr id="10" name="TextBox 9">
-            <a:extLst>
-              <a:ext uri="{FF2B5EF4-FFF2-40B4-BE49-F238E27FC236}">
-                <a16:creationId xmlns:a16="http://schemas.microsoft.com/office/drawing/2014/main" id="{6D399113-9A89-EB4B-9A93-FD4D9CB19E20}"/>
-              </a:ext>
-            </a:extLst>
-          </p:cNvPr>
-          <p:cNvSpPr txBox="1"/>
-          <p:nvPr/>
-        </p:nvSpPr>
-        <p:spPr>
-          <a:xfrm>
-            <a:off x="890992" y="2286953"/>
-            <a:ext cx="1148071" cy="276999"/>
-          </a:xfrm>
-          <a:prstGeom prst="rect">
-            <a:avLst/>
-          </a:prstGeom>
-          <a:noFill/>
-        </p:spPr>
-        <p:txBody>
-          <a:bodyPr wrap="none" rtlCol="0">
-            <a:spAutoFit/>
-          </a:bodyPr>
-          <a:lstStyle/>
-          <a:p>
-            <a:r>
-              <a:rPr lang="en-US" sz="1200" b="1" dirty="0"/>
-              <a:t>PC1 (31.15%)</a:t>
-            </a:r>
-          </a:p>
-        </p:txBody>
-      </p:sp>
-      <p:sp>
-        <p:nvSpPr>
-          <p:cNvPr id="11" name="TextBox 10">
-            <a:extLst>
-              <a:ext uri="{FF2B5EF4-FFF2-40B4-BE49-F238E27FC236}">
-                <a16:creationId xmlns:a16="http://schemas.microsoft.com/office/drawing/2014/main" id="{002AC21E-76A7-1E46-9078-8B87A4D306BB}"/>
-              </a:ext>
-            </a:extLst>
-          </p:cNvPr>
-          <p:cNvSpPr txBox="1"/>
-          <p:nvPr/>
-        </p:nvSpPr>
-        <p:spPr>
-          <a:xfrm>
-            <a:off x="1051575" y="2167430"/>
-            <a:ext cx="360996" cy="246221"/>
-          </a:xfrm>
-          <a:prstGeom prst="rect">
-            <a:avLst/>
-          </a:prstGeom>
-          <a:noFill/>
-        </p:spPr>
-        <p:txBody>
-          <a:bodyPr wrap="none" rtlCol="0">
-            <a:spAutoFit/>
-          </a:bodyPr>
-          <a:lstStyle/>
-          <a:p>
-            <a:pPr algn="r"/>
-            <a:r>
-              <a:rPr lang="en-US" sz="1000" dirty="0"/>
-              <a:t>0.0</a:t>
-            </a:r>
-          </a:p>
-        </p:txBody>
-      </p:sp>
-      <p:sp>
-        <p:nvSpPr>
-          <p:cNvPr id="12" name="TextBox 11">
-            <a:extLst>
-              <a:ext uri="{FF2B5EF4-FFF2-40B4-BE49-F238E27FC236}">
-                <a16:creationId xmlns:a16="http://schemas.microsoft.com/office/drawing/2014/main" id="{2C8D99D1-CB08-8144-B907-8A5A45328D60}"/>
-              </a:ext>
-            </a:extLst>
-          </p:cNvPr>
-          <p:cNvSpPr txBox="1"/>
-          <p:nvPr/>
-        </p:nvSpPr>
-        <p:spPr>
-          <a:xfrm>
-            <a:off x="549888" y="2167430"/>
-            <a:ext cx="474810" cy="246221"/>
-          </a:xfrm>
-          <a:prstGeom prst="rect">
-            <a:avLst/>
-          </a:prstGeom>
-          <a:noFill/>
-        </p:spPr>
-        <p:txBody>
-          <a:bodyPr wrap="none" rtlCol="0">
-            <a:spAutoFit/>
-          </a:bodyPr>
-          <a:lstStyle/>
-          <a:p>
-            <a:pPr algn="r"/>
-            <a:r>
-              <a:rPr lang="en-US" sz="1000" dirty="0"/>
-              <a:t>-0.25</a:t>
-            </a:r>
-          </a:p>
-        </p:txBody>
-      </p:sp>
-      <p:sp>
-        <p:nvSpPr>
-          <p:cNvPr id="13" name="TextBox 12">
-            <a:extLst>
-              <a:ext uri="{FF2B5EF4-FFF2-40B4-BE49-F238E27FC236}">
-                <a16:creationId xmlns:a16="http://schemas.microsoft.com/office/drawing/2014/main" id="{6EED2B5F-8659-444C-907B-75754B33AF30}"/>
-              </a:ext>
-            </a:extLst>
-          </p:cNvPr>
-          <p:cNvSpPr txBox="1"/>
-          <p:nvPr/>
-        </p:nvSpPr>
-        <p:spPr>
-          <a:xfrm>
-            <a:off x="1445135" y="2167430"/>
-            <a:ext cx="431528" cy="246221"/>
-          </a:xfrm>
-          <a:prstGeom prst="rect">
-            <a:avLst/>
-          </a:prstGeom>
-          <a:noFill/>
-        </p:spPr>
-        <p:txBody>
-          <a:bodyPr wrap="none" rtlCol="0">
-            <a:spAutoFit/>
-          </a:bodyPr>
-          <a:lstStyle/>
-          <a:p>
-            <a:pPr algn="ctr"/>
-            <a:r>
-              <a:rPr lang="en-US" sz="1000" dirty="0"/>
-              <a:t>0.25</a:t>
-            </a:r>
-          </a:p>
-        </p:txBody>
-      </p:sp>
-      <p:sp>
-        <p:nvSpPr>
-          <p:cNvPr id="14" name="TextBox 13">
-            <a:extLst>
-              <a:ext uri="{FF2B5EF4-FFF2-40B4-BE49-F238E27FC236}">
-                <a16:creationId xmlns:a16="http://schemas.microsoft.com/office/drawing/2014/main" id="{19AAEFB9-B2D0-5D4A-AAF5-A5A6E4D15EDF}"/>
-              </a:ext>
-            </a:extLst>
-          </p:cNvPr>
-          <p:cNvSpPr txBox="1"/>
-          <p:nvPr/>
-        </p:nvSpPr>
-        <p:spPr>
-          <a:xfrm>
-            <a:off x="1880511" y="2167430"/>
-            <a:ext cx="431529" cy="246221"/>
-          </a:xfrm>
-          <a:prstGeom prst="rect">
-            <a:avLst/>
-          </a:prstGeom>
-          <a:noFill/>
-        </p:spPr>
-        <p:txBody>
-          <a:bodyPr wrap="none" rtlCol="0">
-            <a:spAutoFit/>
-          </a:bodyPr>
-          <a:lstStyle/>
-          <a:p>
-            <a:pPr algn="ctr"/>
-            <a:r>
-              <a:rPr lang="en-US" sz="1000" dirty="0"/>
-              <a:t>0.50</a:t>
-            </a:r>
-          </a:p>
-        </p:txBody>
-      </p:sp>
-      <p:sp>
-        <p:nvSpPr>
-          <p:cNvPr id="15" name="Oval 14">
-            <a:extLst>
-              <a:ext uri="{FF2B5EF4-FFF2-40B4-BE49-F238E27FC236}">
-                <a16:creationId xmlns:a16="http://schemas.microsoft.com/office/drawing/2014/main" id="{D44147CE-8E55-9242-8544-B525903FB027}"/>
-              </a:ext>
-            </a:extLst>
-          </p:cNvPr>
-          <p:cNvSpPr/>
-          <p:nvPr/>
-        </p:nvSpPr>
-        <p:spPr>
-          <a:xfrm>
-            <a:off x="1390918" y="1938319"/>
-            <a:ext cx="91440" cy="91440"/>
-          </a:xfrm>
-          <a:prstGeom prst="ellipse">
-            <a:avLst/>
-          </a:prstGeom>
-          <a:solidFill>
-            <a:schemeClr val="accent2">
-              <a:lumMod val="75000"/>
-            </a:schemeClr>
-          </a:solidFill>
-          <a:ln w="19050">
-            <a:solidFill>
-              <a:schemeClr val="tx1"/>
-            </a:solidFill>
-          </a:ln>
-        </p:spPr>
-        <p:style>
-          <a:lnRef idx="2">
-            <a:schemeClr val="accent1">
-              <a:shade val="50000"/>
-            </a:schemeClr>
-          </a:lnRef>
-          <a:fillRef idx="1">
-            <a:schemeClr val="accent1"/>
-          </a:fillRef>
-          <a:effectRef idx="0">
-            <a:schemeClr val="accent1"/>
-          </a:effectRef>
-          <a:fontRef idx="minor">
-            <a:schemeClr val="lt1"/>
-          </a:fontRef>
-        </p:style>
-        <p:txBody>
-          <a:bodyPr rtlCol="0" anchor="ctr"/>
-          <a:lstStyle/>
-          <a:p>
-            <a:pPr algn="ctr"/>
-            <a:endParaRPr lang="en-US"/>
-          </a:p>
-        </p:txBody>
-      </p:sp>
-      <p:sp>
-        <p:nvSpPr>
-          <p:cNvPr id="16" name="Oval 15">
-            <a:extLst>
-              <a:ext uri="{FF2B5EF4-FFF2-40B4-BE49-F238E27FC236}">
-                <a16:creationId xmlns:a16="http://schemas.microsoft.com/office/drawing/2014/main" id="{76DF030A-32BF-5144-ADA1-9227FA7828EC}"/>
-              </a:ext>
-            </a:extLst>
-          </p:cNvPr>
-          <p:cNvSpPr/>
-          <p:nvPr/>
-        </p:nvSpPr>
-        <p:spPr>
-          <a:xfrm>
-            <a:off x="1560652" y="2077673"/>
-            <a:ext cx="91440" cy="91440"/>
-          </a:xfrm>
-          <a:prstGeom prst="ellipse">
-            <a:avLst/>
-          </a:prstGeom>
-          <a:solidFill>
-            <a:schemeClr val="accent2">
-              <a:lumMod val="75000"/>
-            </a:schemeClr>
-          </a:solidFill>
-          <a:ln w="19050">
-            <a:solidFill>
-              <a:schemeClr val="tx1"/>
-            </a:solidFill>
-          </a:ln>
-        </p:spPr>
-        <p:style>
-          <a:lnRef idx="2">
-            <a:schemeClr val="accent1">
-              <a:shade val="50000"/>
-            </a:schemeClr>
-          </a:lnRef>
-          <a:fillRef idx="1">
-            <a:schemeClr val="accent1"/>
-          </a:fillRef>
-          <a:effectRef idx="0">
-            <a:schemeClr val="accent1"/>
-          </a:effectRef>
-          <a:fontRef idx="minor">
-            <a:schemeClr val="lt1"/>
-          </a:fontRef>
-        </p:style>
-        <p:txBody>
-          <a:bodyPr rtlCol="0" anchor="ctr"/>
-          <a:lstStyle/>
-          <a:p>
-            <a:pPr algn="ctr"/>
-            <a:endParaRPr lang="en-US"/>
-          </a:p>
-        </p:txBody>
-      </p:sp>
-      <p:sp>
-        <p:nvSpPr>
-          <p:cNvPr id="17" name="Oval 16">
-            <a:extLst>
-              <a:ext uri="{FF2B5EF4-FFF2-40B4-BE49-F238E27FC236}">
-                <a16:creationId xmlns:a16="http://schemas.microsoft.com/office/drawing/2014/main" id="{18E63793-AA14-664C-837C-5541667EA0F2}"/>
-              </a:ext>
-            </a:extLst>
-          </p:cNvPr>
-          <p:cNvSpPr/>
-          <p:nvPr/>
-        </p:nvSpPr>
-        <p:spPr>
-          <a:xfrm>
-            <a:off x="2350134" y="498709"/>
-            <a:ext cx="91440" cy="91440"/>
-          </a:xfrm>
-          <a:prstGeom prst="ellipse">
-            <a:avLst/>
-          </a:prstGeom>
-          <a:solidFill>
-            <a:schemeClr val="accent2">
-              <a:lumMod val="75000"/>
-            </a:schemeClr>
-          </a:solidFill>
-          <a:ln w="19050">
-            <a:solidFill>
-              <a:schemeClr val="tx1"/>
-            </a:solidFill>
-          </a:ln>
-        </p:spPr>
-        <p:style>
-          <a:lnRef idx="2">
-            <a:schemeClr val="accent1">
-              <a:shade val="50000"/>
-            </a:schemeClr>
-          </a:lnRef>
-          <a:fillRef idx="1">
-            <a:schemeClr val="accent1"/>
-          </a:fillRef>
-          <a:effectRef idx="0">
-            <a:schemeClr val="accent1"/>
-          </a:effectRef>
-          <a:fontRef idx="minor">
-            <a:schemeClr val="lt1"/>
-          </a:fontRef>
-        </p:style>
-        <p:txBody>
-          <a:bodyPr rtlCol="0" anchor="ctr"/>
-          <a:lstStyle/>
-          <a:p>
-            <a:pPr algn="ctr"/>
-            <a:endParaRPr lang="en-US"/>
-          </a:p>
-        </p:txBody>
-      </p:sp>
-      <p:sp>
-        <p:nvSpPr>
-          <p:cNvPr id="18" name="Rectangle 17">
-            <a:extLst>
-              <a:ext uri="{FF2B5EF4-FFF2-40B4-BE49-F238E27FC236}">
-                <a16:creationId xmlns:a16="http://schemas.microsoft.com/office/drawing/2014/main" id="{F65D4B0B-0521-924E-AE1A-0E68463C24F2}"/>
-              </a:ext>
-            </a:extLst>
-          </p:cNvPr>
-          <p:cNvSpPr/>
-          <p:nvPr/>
-        </p:nvSpPr>
-        <p:spPr>
-          <a:xfrm>
-            <a:off x="897987" y="447326"/>
-            <a:ext cx="0" cy="1746188"/>
-          </a:xfrm>
-          <a:prstGeom prst="rect">
-            <a:avLst/>
-          </a:prstGeom>
-          <a:solidFill>
-            <a:schemeClr val="bg1">
-              <a:lumMod val="85000"/>
-            </a:schemeClr>
-          </a:solidFill>
-          <a:ln w="12700">
-            <a:solidFill>
-              <a:schemeClr val="bg1">
-                <a:lumMod val="50000"/>
-              </a:schemeClr>
-            </a:solidFill>
-          </a:ln>
-        </p:spPr>
-        <p:style>
-          <a:lnRef idx="2">
-            <a:schemeClr val="accent1">
-              <a:shade val="50000"/>
-            </a:schemeClr>
-          </a:lnRef>
-          <a:fillRef idx="1">
-            <a:schemeClr val="accent1"/>
-          </a:fillRef>
-          <a:effectRef idx="0">
-            <a:schemeClr val="accent1"/>
-          </a:effectRef>
-          <a:fontRef idx="minor">
-            <a:schemeClr val="lt1"/>
-          </a:fontRef>
-        </p:style>
-        <p:txBody>
-          <a:bodyPr rtlCol="0" anchor="ctr"/>
-          <a:lstStyle/>
-          <a:p>
-            <a:pPr algn="ctr"/>
-            <a:endParaRPr lang="en-US"/>
-          </a:p>
-        </p:txBody>
-      </p:sp>
-      <p:sp>
-        <p:nvSpPr>
-          <p:cNvPr id="19" name="Rectangle 18">
-            <a:extLst>
-              <a:ext uri="{FF2B5EF4-FFF2-40B4-BE49-F238E27FC236}">
-                <a16:creationId xmlns:a16="http://schemas.microsoft.com/office/drawing/2014/main" id="{7E8737E7-11B8-764E-A044-4009C38DA011}"/>
-              </a:ext>
-            </a:extLst>
-          </p:cNvPr>
-          <p:cNvSpPr/>
-          <p:nvPr/>
-        </p:nvSpPr>
-        <p:spPr>
-          <a:xfrm>
-            <a:off x="1681973" y="447326"/>
-            <a:ext cx="0" cy="1746188"/>
-          </a:xfrm>
-          <a:prstGeom prst="rect">
-            <a:avLst/>
-          </a:prstGeom>
-          <a:solidFill>
-            <a:schemeClr val="bg1">
-              <a:lumMod val="85000"/>
-            </a:schemeClr>
-          </a:solidFill>
-          <a:ln w="12700">
-            <a:solidFill>
-              <a:schemeClr val="bg1">
-                <a:lumMod val="50000"/>
-              </a:schemeClr>
-            </a:solidFill>
-          </a:ln>
-        </p:spPr>
-        <p:style>
-          <a:lnRef idx="2">
-            <a:schemeClr val="accent1">
-              <a:shade val="50000"/>
-            </a:schemeClr>
-          </a:lnRef>
-          <a:fillRef idx="1">
-            <a:schemeClr val="accent1"/>
-          </a:fillRef>
-          <a:effectRef idx="0">
-            <a:schemeClr val="accent1"/>
-          </a:effectRef>
-          <a:fontRef idx="minor">
-            <a:schemeClr val="lt1"/>
-          </a:fontRef>
-        </p:style>
-        <p:txBody>
-          <a:bodyPr rtlCol="0" anchor="ctr"/>
-          <a:lstStyle/>
-          <a:p>
-            <a:pPr algn="ctr"/>
-            <a:endParaRPr lang="en-US"/>
-          </a:p>
-        </p:txBody>
-      </p:sp>
-      <p:sp>
-        <p:nvSpPr>
-          <p:cNvPr id="20" name="Rectangle 19">
-            <a:extLst>
-              <a:ext uri="{FF2B5EF4-FFF2-40B4-BE49-F238E27FC236}">
-                <a16:creationId xmlns:a16="http://schemas.microsoft.com/office/drawing/2014/main" id="{2605AF27-63E7-5943-A0FE-64BD184EACF0}"/>
-              </a:ext>
-            </a:extLst>
-          </p:cNvPr>
-          <p:cNvSpPr/>
-          <p:nvPr/>
-        </p:nvSpPr>
-        <p:spPr>
-          <a:xfrm>
-            <a:off x="2073966" y="447326"/>
-            <a:ext cx="0" cy="1746188"/>
-          </a:xfrm>
-          <a:prstGeom prst="rect">
-            <a:avLst/>
-          </a:prstGeom>
-          <a:solidFill>
-            <a:schemeClr val="bg1">
-              <a:lumMod val="85000"/>
-            </a:schemeClr>
-          </a:solidFill>
-          <a:ln w="12700">
-            <a:solidFill>
-              <a:schemeClr val="bg1">
-                <a:lumMod val="50000"/>
-              </a:schemeClr>
-            </a:solidFill>
-          </a:ln>
-        </p:spPr>
-        <p:style>
-          <a:lnRef idx="2">
-            <a:schemeClr val="accent1">
-              <a:shade val="50000"/>
-            </a:schemeClr>
-          </a:lnRef>
-          <a:fillRef idx="1">
-            <a:schemeClr val="accent1"/>
-          </a:fillRef>
-          <a:effectRef idx="0">
-            <a:schemeClr val="accent1"/>
-          </a:effectRef>
-          <a:fontRef idx="minor">
-            <a:schemeClr val="lt1"/>
-          </a:fontRef>
-        </p:style>
-        <p:txBody>
-          <a:bodyPr rtlCol="0" anchor="ctr"/>
-          <a:lstStyle/>
-          <a:p>
-            <a:pPr algn="ctr"/>
-            <a:endParaRPr lang="en-US"/>
-          </a:p>
-        </p:txBody>
-      </p:sp>
-      <p:sp>
-        <p:nvSpPr>
-          <p:cNvPr id="21" name="Rectangle 20">
-            <a:extLst>
-              <a:ext uri="{FF2B5EF4-FFF2-40B4-BE49-F238E27FC236}">
-                <a16:creationId xmlns:a16="http://schemas.microsoft.com/office/drawing/2014/main" id="{0D790246-C9B1-6E45-AA91-B48AFEF62F2C}"/>
-              </a:ext>
-            </a:extLst>
-          </p:cNvPr>
-          <p:cNvSpPr/>
-          <p:nvPr/>
-        </p:nvSpPr>
-        <p:spPr>
-          <a:xfrm>
-            <a:off x="505994" y="883873"/>
-            <a:ext cx="1959964" cy="0"/>
-          </a:xfrm>
-          <a:prstGeom prst="rect">
-            <a:avLst/>
-          </a:prstGeom>
-          <a:solidFill>
-            <a:schemeClr val="bg1">
-              <a:lumMod val="85000"/>
-            </a:schemeClr>
-          </a:solidFill>
-          <a:ln w="12700">
-            <a:solidFill>
-              <a:schemeClr val="bg1">
-                <a:lumMod val="50000"/>
-              </a:schemeClr>
-            </a:solidFill>
-          </a:ln>
-        </p:spPr>
-        <p:style>
-          <a:lnRef idx="2">
-            <a:schemeClr val="accent1">
-              <a:shade val="50000"/>
-            </a:schemeClr>
-          </a:lnRef>
-          <a:fillRef idx="1">
-            <a:schemeClr val="accent1"/>
-          </a:fillRef>
-          <a:effectRef idx="0">
-            <a:schemeClr val="accent1"/>
-          </a:effectRef>
-          <a:fontRef idx="minor">
-            <a:schemeClr val="lt1"/>
-          </a:fontRef>
-        </p:style>
-        <p:txBody>
-          <a:bodyPr rtlCol="0" anchor="ctr"/>
-          <a:lstStyle/>
-          <a:p>
-            <a:pPr algn="ctr"/>
-            <a:endParaRPr lang="en-US"/>
-          </a:p>
-        </p:txBody>
-      </p:sp>
-      <p:sp>
-        <p:nvSpPr>
-          <p:cNvPr id="22" name="Rectangle 21">
-            <a:extLst>
-              <a:ext uri="{FF2B5EF4-FFF2-40B4-BE49-F238E27FC236}">
-                <a16:creationId xmlns:a16="http://schemas.microsoft.com/office/drawing/2014/main" id="{5E640F09-2785-2F4E-86A7-02B3CE464DAD}"/>
-              </a:ext>
-            </a:extLst>
-          </p:cNvPr>
-          <p:cNvSpPr/>
-          <p:nvPr/>
-        </p:nvSpPr>
-        <p:spPr>
-          <a:xfrm>
-            <a:off x="505994" y="1320420"/>
-            <a:ext cx="1959964" cy="0"/>
-          </a:xfrm>
-          <a:prstGeom prst="rect">
-            <a:avLst/>
-          </a:prstGeom>
-          <a:noFill/>
-          <a:ln w="19050">
-            <a:solidFill>
-              <a:schemeClr val="tx1"/>
-            </a:solidFill>
-          </a:ln>
-        </p:spPr>
-        <p:style>
-          <a:lnRef idx="2">
-            <a:schemeClr val="accent1">
-              <a:shade val="50000"/>
-            </a:schemeClr>
-          </a:lnRef>
-          <a:fillRef idx="1">
-            <a:schemeClr val="accent1"/>
-          </a:fillRef>
-          <a:effectRef idx="0">
-            <a:schemeClr val="accent1"/>
-          </a:effectRef>
-          <a:fontRef idx="minor">
-            <a:schemeClr val="lt1"/>
-          </a:fontRef>
-        </p:style>
-        <p:txBody>
-          <a:bodyPr rtlCol="0" anchor="ctr"/>
-          <a:lstStyle/>
-          <a:p>
-            <a:pPr algn="ctr"/>
-            <a:endParaRPr lang="en-US"/>
-          </a:p>
-        </p:txBody>
-      </p:sp>
-      <p:sp>
-        <p:nvSpPr>
-          <p:cNvPr id="23" name="Rectangle 22">
-            <a:extLst>
-              <a:ext uri="{FF2B5EF4-FFF2-40B4-BE49-F238E27FC236}">
-                <a16:creationId xmlns:a16="http://schemas.microsoft.com/office/drawing/2014/main" id="{0F0DDE3B-248E-9D49-959E-E190058EEFE1}"/>
-              </a:ext>
-            </a:extLst>
-          </p:cNvPr>
-          <p:cNvSpPr/>
-          <p:nvPr/>
-        </p:nvSpPr>
-        <p:spPr>
-          <a:xfrm>
-            <a:off x="505994" y="1756967"/>
-            <a:ext cx="1959964" cy="0"/>
-          </a:xfrm>
-          <a:prstGeom prst="rect">
-            <a:avLst/>
-          </a:prstGeom>
-          <a:solidFill>
-            <a:schemeClr val="bg1">
-              <a:lumMod val="85000"/>
-            </a:schemeClr>
-          </a:solidFill>
-          <a:ln w="12700">
-            <a:solidFill>
-              <a:schemeClr val="bg1">
-                <a:lumMod val="50000"/>
-              </a:schemeClr>
-            </a:solidFill>
-          </a:ln>
-        </p:spPr>
-        <p:style>
-          <a:lnRef idx="2">
-            <a:schemeClr val="accent1">
-              <a:shade val="50000"/>
-            </a:schemeClr>
-          </a:lnRef>
-          <a:fillRef idx="1">
-            <a:schemeClr val="accent1"/>
-          </a:fillRef>
-          <a:effectRef idx="0">
-            <a:schemeClr val="accent1"/>
-          </a:effectRef>
-          <a:fontRef idx="minor">
-            <a:schemeClr val="lt1"/>
-          </a:fontRef>
-        </p:style>
-        <p:txBody>
-          <a:bodyPr rtlCol="0" anchor="ctr"/>
-          <a:lstStyle/>
-          <a:p>
-            <a:pPr algn="ctr"/>
-            <a:endParaRPr lang="en-US"/>
-          </a:p>
-        </p:txBody>
-      </p:sp>
-      <p:grpSp>
-        <p:nvGrpSpPr>
-          <p:cNvPr id="24" name="Group 23">
-            <a:extLst>
-              <a:ext uri="{FF2B5EF4-FFF2-40B4-BE49-F238E27FC236}">
-                <a16:creationId xmlns:a16="http://schemas.microsoft.com/office/drawing/2014/main" id="{D170EBA3-F317-834B-8A6F-E9741F2FC002}"/>
-              </a:ext>
-            </a:extLst>
-          </p:cNvPr>
-          <p:cNvGrpSpPr/>
-          <p:nvPr/>
-        </p:nvGrpSpPr>
-        <p:grpSpPr>
-          <a:xfrm>
-            <a:off x="505994" y="447326"/>
-            <a:ext cx="1959964" cy="1746188"/>
-            <a:chOff x="513413" y="776299"/>
-            <a:chExt cx="1959964" cy="1746188"/>
-          </a:xfrm>
-        </p:grpSpPr>
-        <p:sp>
-          <p:nvSpPr>
-            <p:cNvPr id="25" name="Rectangle 24">
-              <a:extLst>
-                <a:ext uri="{FF2B5EF4-FFF2-40B4-BE49-F238E27FC236}">
-                  <a16:creationId xmlns:a16="http://schemas.microsoft.com/office/drawing/2014/main" id="{74913A80-0B84-E54F-B21E-9AA12A89CF6D}"/>
-                </a:ext>
-              </a:extLst>
-            </p:cNvPr>
-            <p:cNvSpPr/>
-            <p:nvPr/>
-          </p:nvSpPr>
-          <p:spPr>
-            <a:xfrm>
-              <a:off x="513413" y="776299"/>
-              <a:ext cx="0" cy="1746188"/>
-            </a:xfrm>
-            <a:prstGeom prst="rect">
-              <a:avLst/>
-            </a:prstGeom>
-            <a:solidFill>
-              <a:schemeClr val="tx1"/>
-            </a:solidFill>
-            <a:ln w="19050">
-              <a:solidFill>
-                <a:schemeClr val="tx1"/>
-              </a:solidFill>
-            </a:ln>
-          </p:spPr>
-          <p:style>
-            <a:lnRef idx="2">
-              <a:schemeClr val="accent1">
-                <a:shade val="50000"/>
-              </a:schemeClr>
-            </a:lnRef>
-            <a:fillRef idx="1">
-              <a:schemeClr val="accent1"/>
-            </a:fillRef>
-            <a:effectRef idx="0">
-              <a:schemeClr val="accent1"/>
-            </a:effectRef>
-            <a:fontRef idx="minor">
-              <a:schemeClr val="lt1"/>
-            </a:fontRef>
-          </p:style>
-          <p:txBody>
-            <a:bodyPr rtlCol="0" anchor="ctr"/>
-            <a:lstStyle/>
-            <a:p>
-              <a:pPr algn="ctr"/>
-              <a:endParaRPr lang="en-US"/>
-            </a:p>
-          </p:txBody>
-        </p:sp>
-        <p:sp>
-          <p:nvSpPr>
-            <p:cNvPr id="26" name="Rectangle 25">
-              <a:extLst>
-                <a:ext uri="{FF2B5EF4-FFF2-40B4-BE49-F238E27FC236}">
-                  <a16:creationId xmlns:a16="http://schemas.microsoft.com/office/drawing/2014/main" id="{44D7127E-0E52-2D48-A35B-5516D03724ED}"/>
-                </a:ext>
-              </a:extLst>
-            </p:cNvPr>
-            <p:cNvSpPr/>
-            <p:nvPr/>
-          </p:nvSpPr>
-          <p:spPr>
-            <a:xfrm>
-              <a:off x="2473377" y="776299"/>
-              <a:ext cx="0" cy="1746188"/>
-            </a:xfrm>
-            <a:prstGeom prst="rect">
-              <a:avLst/>
-            </a:prstGeom>
-            <a:solidFill>
-              <a:schemeClr val="tx1"/>
-            </a:solidFill>
-            <a:ln w="19050">
-              <a:solidFill>
-                <a:schemeClr val="tx1"/>
-              </a:solidFill>
-            </a:ln>
-          </p:spPr>
-          <p:style>
-            <a:lnRef idx="2">
-              <a:schemeClr val="accent1">
-                <a:shade val="50000"/>
-              </a:schemeClr>
-            </a:lnRef>
-            <a:fillRef idx="1">
-              <a:schemeClr val="accent1"/>
-            </a:fillRef>
-            <a:effectRef idx="0">
-              <a:schemeClr val="accent1"/>
-            </a:effectRef>
-            <a:fontRef idx="minor">
-              <a:schemeClr val="lt1"/>
-            </a:fontRef>
-          </p:style>
-          <p:txBody>
-            <a:bodyPr rtlCol="0" anchor="ctr"/>
-            <a:lstStyle/>
-            <a:p>
-              <a:pPr algn="ctr"/>
-              <a:endParaRPr lang="en-US"/>
-            </a:p>
-          </p:txBody>
-        </p:sp>
-        <p:sp>
-          <p:nvSpPr>
-            <p:cNvPr id="27" name="Rectangle 26">
-              <a:extLst>
-                <a:ext uri="{FF2B5EF4-FFF2-40B4-BE49-F238E27FC236}">
-                  <a16:creationId xmlns:a16="http://schemas.microsoft.com/office/drawing/2014/main" id="{69FA2432-FB49-6D46-B132-D70941845986}"/>
-                </a:ext>
-              </a:extLst>
-            </p:cNvPr>
-            <p:cNvSpPr/>
-            <p:nvPr/>
-          </p:nvSpPr>
-          <p:spPr>
-            <a:xfrm>
-              <a:off x="513413" y="776299"/>
-              <a:ext cx="1959964" cy="0"/>
-            </a:xfrm>
-            <a:prstGeom prst="rect">
-              <a:avLst/>
-            </a:prstGeom>
-            <a:solidFill>
-              <a:schemeClr val="tx1"/>
-            </a:solidFill>
-            <a:ln w="19050">
-              <a:solidFill>
-                <a:schemeClr val="tx1"/>
-              </a:solidFill>
-            </a:ln>
-          </p:spPr>
-          <p:style>
-            <a:lnRef idx="2">
-              <a:schemeClr val="accent1">
-                <a:shade val="50000"/>
-              </a:schemeClr>
-            </a:lnRef>
-            <a:fillRef idx="1">
-              <a:schemeClr val="accent1"/>
-            </a:fillRef>
-            <a:effectRef idx="0">
-              <a:schemeClr val="accent1"/>
-            </a:effectRef>
-            <a:fontRef idx="minor">
-              <a:schemeClr val="lt1"/>
-            </a:fontRef>
-          </p:style>
-          <p:txBody>
-            <a:bodyPr rtlCol="0" anchor="ctr"/>
-            <a:lstStyle/>
-            <a:p>
-              <a:pPr algn="ctr"/>
-              <a:endParaRPr lang="en-US"/>
-            </a:p>
-          </p:txBody>
-        </p:sp>
-        <p:sp>
-          <p:nvSpPr>
-            <p:cNvPr id="28" name="Rectangle 27">
-              <a:extLst>
-                <a:ext uri="{FF2B5EF4-FFF2-40B4-BE49-F238E27FC236}">
-                  <a16:creationId xmlns:a16="http://schemas.microsoft.com/office/drawing/2014/main" id="{04B57343-F772-1D49-9085-2E2010A4D185}"/>
-                </a:ext>
-              </a:extLst>
-            </p:cNvPr>
-            <p:cNvSpPr/>
-            <p:nvPr/>
-          </p:nvSpPr>
-          <p:spPr>
-            <a:xfrm>
-              <a:off x="513413" y="2522487"/>
-              <a:ext cx="1959964" cy="0"/>
-            </a:xfrm>
-            <a:prstGeom prst="rect">
-              <a:avLst/>
-            </a:prstGeom>
-            <a:solidFill>
-              <a:schemeClr val="tx1"/>
-            </a:solidFill>
-            <a:ln w="19050">
-              <a:solidFill>
-                <a:schemeClr val="tx1"/>
-              </a:solidFill>
-            </a:ln>
-          </p:spPr>
-          <p:style>
-            <a:lnRef idx="2">
-              <a:schemeClr val="accent1">
-                <a:shade val="50000"/>
-              </a:schemeClr>
-            </a:lnRef>
-            <a:fillRef idx="1">
-              <a:schemeClr val="accent1"/>
-            </a:fillRef>
-            <a:effectRef idx="0">
-              <a:schemeClr val="accent1"/>
-            </a:effectRef>
-            <a:fontRef idx="minor">
-              <a:schemeClr val="lt1"/>
-            </a:fontRef>
-          </p:style>
-          <p:txBody>
-            <a:bodyPr rtlCol="0" anchor="ctr"/>
-            <a:lstStyle/>
-            <a:p>
-              <a:pPr algn="ctr"/>
-              <a:endParaRPr lang="en-US"/>
-            </a:p>
-          </p:txBody>
-        </p:sp>
-      </p:grpSp>
-      <p:sp>
-        <p:nvSpPr>
-          <p:cNvPr id="29" name="Oval 28">
-            <a:extLst>
-              <a:ext uri="{FF2B5EF4-FFF2-40B4-BE49-F238E27FC236}">
-                <a16:creationId xmlns:a16="http://schemas.microsoft.com/office/drawing/2014/main" id="{9A711D0F-F73C-D445-8BA7-55624CAF7243}"/>
-              </a:ext>
-            </a:extLst>
-          </p:cNvPr>
-          <p:cNvSpPr/>
-          <p:nvPr/>
-        </p:nvSpPr>
-        <p:spPr>
-          <a:xfrm>
-            <a:off x="574364" y="827457"/>
-            <a:ext cx="91440" cy="91440"/>
-          </a:xfrm>
-          <a:prstGeom prst="ellipse">
-            <a:avLst/>
-          </a:prstGeom>
-          <a:solidFill>
-            <a:schemeClr val="tx1"/>
-          </a:solidFill>
-          <a:ln w="19050">
-            <a:solidFill>
-              <a:schemeClr val="tx1"/>
-            </a:solidFill>
-          </a:ln>
-        </p:spPr>
-        <p:style>
-          <a:lnRef idx="2">
-            <a:schemeClr val="accent1">
-              <a:shade val="50000"/>
-            </a:schemeClr>
-          </a:lnRef>
-          <a:fillRef idx="1">
-            <a:schemeClr val="accent1"/>
-          </a:fillRef>
-          <a:effectRef idx="0">
-            <a:schemeClr val="accent1"/>
-          </a:effectRef>
-          <a:fontRef idx="minor">
-            <a:schemeClr val="lt1"/>
-          </a:fontRef>
-        </p:style>
-        <p:txBody>
-          <a:bodyPr rtlCol="0" anchor="ctr"/>
-          <a:lstStyle/>
-          <a:p>
-            <a:pPr algn="ctr"/>
-            <a:endParaRPr lang="en-US"/>
-          </a:p>
-        </p:txBody>
-      </p:sp>
-      <p:sp>
-        <p:nvSpPr>
-          <p:cNvPr id="30" name="Oval 29">
-            <a:extLst>
-              <a:ext uri="{FF2B5EF4-FFF2-40B4-BE49-F238E27FC236}">
-                <a16:creationId xmlns:a16="http://schemas.microsoft.com/office/drawing/2014/main" id="{51897249-2380-CC4C-91BC-C04AC5291924}"/>
-              </a:ext>
-            </a:extLst>
-          </p:cNvPr>
-          <p:cNvSpPr/>
-          <p:nvPr/>
-        </p:nvSpPr>
-        <p:spPr>
-          <a:xfrm>
-            <a:off x="726764" y="979857"/>
-            <a:ext cx="91440" cy="91440"/>
-          </a:xfrm>
-          <a:prstGeom prst="ellipse">
-            <a:avLst/>
-          </a:prstGeom>
-          <a:solidFill>
-            <a:schemeClr val="tx1"/>
-          </a:solidFill>
-          <a:ln w="19050">
-            <a:solidFill>
-              <a:schemeClr val="tx1"/>
-            </a:solidFill>
-          </a:ln>
-        </p:spPr>
-        <p:style>
-          <a:lnRef idx="2">
-            <a:schemeClr val="accent1">
-              <a:shade val="50000"/>
-            </a:schemeClr>
-          </a:lnRef>
-          <a:fillRef idx="1">
-            <a:schemeClr val="accent1"/>
-          </a:fillRef>
-          <a:effectRef idx="0">
-            <a:schemeClr val="accent1"/>
-          </a:effectRef>
-          <a:fontRef idx="minor">
-            <a:schemeClr val="lt1"/>
-          </a:fontRef>
-        </p:style>
-        <p:txBody>
-          <a:bodyPr rtlCol="0" anchor="ctr"/>
-          <a:lstStyle/>
-          <a:p>
-            <a:pPr algn="ctr"/>
-            <a:endParaRPr lang="en-US"/>
-          </a:p>
-        </p:txBody>
-      </p:sp>
-      <p:sp>
-        <p:nvSpPr>
-          <p:cNvPr id="31" name="Oval 30">
-            <a:extLst>
-              <a:ext uri="{FF2B5EF4-FFF2-40B4-BE49-F238E27FC236}">
-                <a16:creationId xmlns:a16="http://schemas.microsoft.com/office/drawing/2014/main" id="{7B4EF97B-E3D8-AB4F-BD0B-250D2BB41A57}"/>
-              </a:ext>
-            </a:extLst>
-          </p:cNvPr>
-          <p:cNvSpPr/>
-          <p:nvPr/>
-        </p:nvSpPr>
-        <p:spPr>
-          <a:xfrm>
-            <a:off x="571568" y="1198030"/>
-            <a:ext cx="91440" cy="91440"/>
-          </a:xfrm>
-          <a:prstGeom prst="ellipse">
-            <a:avLst/>
-          </a:prstGeom>
-          <a:solidFill>
-            <a:schemeClr val="tx1"/>
-          </a:solidFill>
-          <a:ln w="19050">
-            <a:solidFill>
-              <a:schemeClr val="tx1"/>
-            </a:solidFill>
-          </a:ln>
-        </p:spPr>
-        <p:style>
-          <a:lnRef idx="2">
-            <a:schemeClr val="accent1">
-              <a:shade val="50000"/>
-            </a:schemeClr>
-          </a:lnRef>
-          <a:fillRef idx="1">
-            <a:schemeClr val="accent1"/>
-          </a:fillRef>
-          <a:effectRef idx="0">
-            <a:schemeClr val="accent1"/>
-          </a:effectRef>
-          <a:fontRef idx="minor">
-            <a:schemeClr val="lt1"/>
-          </a:fontRef>
-        </p:style>
-        <p:txBody>
-          <a:bodyPr rtlCol="0" anchor="ctr"/>
-          <a:lstStyle/>
-          <a:p>
-            <a:pPr algn="ctr"/>
-            <a:endParaRPr lang="en-US"/>
-          </a:p>
-        </p:txBody>
-      </p:sp>
-      <p:sp>
-        <p:nvSpPr>
-          <p:cNvPr id="32" name="Rectangle 31">
-            <a:extLst>
-              <a:ext uri="{FF2B5EF4-FFF2-40B4-BE49-F238E27FC236}">
-                <a16:creationId xmlns:a16="http://schemas.microsoft.com/office/drawing/2014/main" id="{33610AED-78E1-6245-ACCF-56E7B30FC9F5}"/>
-              </a:ext>
-            </a:extLst>
-          </p:cNvPr>
-          <p:cNvSpPr/>
-          <p:nvPr/>
-        </p:nvSpPr>
-        <p:spPr>
-          <a:xfrm>
-            <a:off x="1289980" y="447326"/>
-            <a:ext cx="0" cy="1746188"/>
-          </a:xfrm>
-          <a:prstGeom prst="rect">
-            <a:avLst/>
-          </a:prstGeom>
-          <a:solidFill>
-            <a:schemeClr val="bg1">
-              <a:lumMod val="85000"/>
-            </a:schemeClr>
-          </a:solidFill>
-          <a:ln w="19050">
-            <a:solidFill>
-              <a:schemeClr val="tx1"/>
-            </a:solidFill>
-          </a:ln>
-        </p:spPr>
-        <p:style>
-          <a:lnRef idx="2">
-            <a:schemeClr val="accent1">
-              <a:shade val="50000"/>
-            </a:schemeClr>
-          </a:lnRef>
-          <a:fillRef idx="1">
-            <a:schemeClr val="accent1"/>
-          </a:fillRef>
-          <a:effectRef idx="0">
-            <a:schemeClr val="accent1"/>
-          </a:effectRef>
-          <a:fontRef idx="minor">
-            <a:schemeClr val="lt1"/>
-          </a:fontRef>
-        </p:style>
-        <p:txBody>
-          <a:bodyPr rtlCol="0" anchor="ctr"/>
-          <a:lstStyle/>
-          <a:p>
-            <a:pPr algn="ctr"/>
-            <a:endParaRPr lang="en-US"/>
-          </a:p>
-        </p:txBody>
-      </p:sp>
-      <p:sp>
-        <p:nvSpPr>
-          <p:cNvPr id="33" name="TextBox 32">
-            <a:extLst>
-              <a:ext uri="{FF2B5EF4-FFF2-40B4-BE49-F238E27FC236}">
-                <a16:creationId xmlns:a16="http://schemas.microsoft.com/office/drawing/2014/main" id="{231052AA-5EBC-AA40-BDDA-A604D4B975C1}"/>
-              </a:ext>
-            </a:extLst>
-          </p:cNvPr>
-          <p:cNvSpPr txBox="1"/>
-          <p:nvPr/>
-        </p:nvSpPr>
-        <p:spPr>
-          <a:xfrm>
-            <a:off x="148098" y="2059051"/>
-            <a:ext cx="404278" cy="246221"/>
-          </a:xfrm>
-          <a:prstGeom prst="rect">
-            <a:avLst/>
-          </a:prstGeom>
-          <a:noFill/>
-        </p:spPr>
-        <p:txBody>
-          <a:bodyPr wrap="none" rtlCol="0">
-            <a:spAutoFit/>
-          </a:bodyPr>
-          <a:lstStyle/>
-          <a:p>
-            <a:pPr algn="r"/>
-            <a:r>
-              <a:rPr lang="en-US" sz="1000" dirty="0"/>
-              <a:t>-0.4</a:t>
-            </a:r>
-          </a:p>
-        </p:txBody>
-      </p:sp>
-      <p:sp>
-        <p:nvSpPr>
-          <p:cNvPr id="34" name="TextBox 33">
-            <a:extLst>
-              <a:ext uri="{FF2B5EF4-FFF2-40B4-BE49-F238E27FC236}">
-                <a16:creationId xmlns:a16="http://schemas.microsoft.com/office/drawing/2014/main" id="{6CF03DC0-2377-0C4D-975B-754C6B90FE0B}"/>
-              </a:ext>
-            </a:extLst>
-          </p:cNvPr>
-          <p:cNvSpPr txBox="1"/>
-          <p:nvPr/>
-        </p:nvSpPr>
-        <p:spPr>
-          <a:xfrm>
-            <a:off x="191380" y="333010"/>
-            <a:ext cx="360996" cy="246221"/>
-          </a:xfrm>
-          <a:prstGeom prst="rect">
-            <a:avLst/>
-          </a:prstGeom>
-          <a:noFill/>
-        </p:spPr>
-        <p:txBody>
-          <a:bodyPr wrap="none" rtlCol="0">
-            <a:spAutoFit/>
-          </a:bodyPr>
-          <a:lstStyle/>
-          <a:p>
-            <a:pPr algn="r"/>
-            <a:r>
-              <a:rPr lang="en-US" sz="1000" dirty="0"/>
-              <a:t>0.4</a:t>
-            </a:r>
-          </a:p>
-        </p:txBody>
-      </p:sp>
+      </p:pic>
     </p:spTree>
     <p:extLst>
       <p:ext uri="{BB962C8B-B14F-4D97-AF65-F5344CB8AC3E}">
@@ -4432,70 +3117,1115 @@
           <a:chExt cx="0" cy="0"/>
         </a:xfrm>
       </p:grpSpPr>
+      <p:graphicFrame>
+        <p:nvGraphicFramePr>
+          <p:cNvPr id="2" name="Table 1">
+            <a:extLst>
+              <a:ext uri="{FF2B5EF4-FFF2-40B4-BE49-F238E27FC236}">
+                <a16:creationId xmlns:a16="http://schemas.microsoft.com/office/drawing/2014/main" id="{92038142-48B0-9C46-85FD-3879293C1DD6}"/>
+              </a:ext>
+            </a:extLst>
+          </p:cNvPr>
+          <p:cNvGraphicFramePr>
+            <a:graphicFrameLocks noGrp="1"/>
+          </p:cNvGraphicFramePr>
+          <p:nvPr>
+            <p:extLst>
+              <p:ext uri="{D42A27DB-BD31-4B8C-83A1-F6EECF244321}">
+                <p14:modId xmlns:p14="http://schemas.microsoft.com/office/powerpoint/2010/main" val="3185927590"/>
+              </p:ext>
+            </p:extLst>
+          </p:nvPr>
+        </p:nvGraphicFramePr>
+        <p:xfrm>
+          <a:off x="179515" y="4062651"/>
+          <a:ext cx="4557395" cy="2784762"/>
+        </p:xfrm>
+        <a:graphic>
+          <a:graphicData uri="http://schemas.openxmlformats.org/drawingml/2006/table">
+            <a:tbl>
+              <a:tblPr/>
+              <a:tblGrid>
+                <a:gridCol w="1571625">
+                  <a:extLst>
+                    <a:ext uri="{9D8B030D-6E8A-4147-A177-3AD203B41FA5}">
+                      <a16:colId xmlns:a16="http://schemas.microsoft.com/office/drawing/2014/main" val="425930362"/>
+                    </a:ext>
+                  </a:extLst>
+                </a:gridCol>
+                <a:gridCol w="2439670">
+                  <a:extLst>
+                    <a:ext uri="{9D8B030D-6E8A-4147-A177-3AD203B41FA5}">
+                      <a16:colId xmlns:a16="http://schemas.microsoft.com/office/drawing/2014/main" val="458935839"/>
+                    </a:ext>
+                  </a:extLst>
+                </a:gridCol>
+                <a:gridCol w="546100">
+                  <a:extLst>
+                    <a:ext uri="{9D8B030D-6E8A-4147-A177-3AD203B41FA5}">
+                      <a16:colId xmlns:a16="http://schemas.microsoft.com/office/drawing/2014/main" val="3926931737"/>
+                    </a:ext>
+                  </a:extLst>
+                </a:gridCol>
+              </a:tblGrid>
+              <a:tr h="0">
+                <a:tc>
+                  <a:txBody>
+                    <a:bodyPr/>
+                    <a:lstStyle/>
+                    <a:p>
+                      <a:pPr algn="ctr" fontAlgn="b"/>
+                      <a:r>
+                        <a:rPr lang="en-US" sz="1000" b="1" i="0" u="none" strike="noStrike" dirty="0">
+                          <a:solidFill>
+                            <a:srgbClr val="000000"/>
+                          </a:solidFill>
+                          <a:effectLst/>
+                          <a:latin typeface="Arial" panose="020B0604020202020204" pitchFamily="34" charset="0"/>
+                          <a:cs typeface="Arial" panose="020B0604020202020204" pitchFamily="34" charset="0"/>
+                        </a:rPr>
+                        <a:t>KEGG Pathway</a:t>
+                      </a:r>
+                    </a:p>
+                  </a:txBody>
+                  <a:tcPr marL="0" marR="0" marT="6927" marB="0" anchor="ctr">
+                    <a:lnL>
+                      <a:noFill/>
+                    </a:lnL>
+                    <a:lnR>
+                      <a:noFill/>
+                    </a:lnR>
+                    <a:lnT>
+                      <a:noFill/>
+                    </a:lnT>
+                    <a:lnB w="19050" cap="flat" cmpd="sng" algn="ctr">
+                      <a:solidFill>
+                        <a:schemeClr val="tx1"/>
+                      </a:solidFill>
+                      <a:prstDash val="solid"/>
+                      <a:round/>
+                      <a:headEnd type="none" w="med" len="med"/>
+                      <a:tailEnd type="none" w="med" len="med"/>
+                    </a:lnB>
+                  </a:tcPr>
+                </a:tc>
+                <a:tc>
+                  <a:txBody>
+                    <a:bodyPr/>
+                    <a:lstStyle/>
+                    <a:p>
+                      <a:pPr algn="ctr" fontAlgn="b"/>
+                      <a:r>
+                        <a:rPr lang="en-US" sz="1000" b="1" i="0" u="none" strike="noStrike" dirty="0">
+                          <a:solidFill>
+                            <a:srgbClr val="000000"/>
+                          </a:solidFill>
+                          <a:effectLst/>
+                          <a:latin typeface="Arial" panose="020B0604020202020204" pitchFamily="34" charset="0"/>
+                          <a:cs typeface="Arial" panose="020B0604020202020204" pitchFamily="34" charset="0"/>
+                        </a:rPr>
+                        <a:t>Genes</a:t>
+                      </a:r>
+                    </a:p>
+                  </a:txBody>
+                  <a:tcPr marL="0" marR="0" marT="6927" marB="0" anchor="ctr">
+                    <a:lnL>
+                      <a:noFill/>
+                    </a:lnL>
+                    <a:lnR>
+                      <a:noFill/>
+                    </a:lnR>
+                    <a:lnT>
+                      <a:noFill/>
+                    </a:lnT>
+                    <a:lnB w="19050" cap="flat" cmpd="sng" algn="ctr">
+                      <a:solidFill>
+                        <a:schemeClr val="tx1"/>
+                      </a:solidFill>
+                      <a:prstDash val="solid"/>
+                      <a:round/>
+                      <a:headEnd type="none" w="med" len="med"/>
+                      <a:tailEnd type="none" w="med" len="med"/>
+                    </a:lnB>
+                  </a:tcPr>
+                </a:tc>
+                <a:tc>
+                  <a:txBody>
+                    <a:bodyPr/>
+                    <a:lstStyle/>
+                    <a:p>
+                      <a:pPr algn="ctr" fontAlgn="b"/>
+                      <a:r>
+                        <a:rPr lang="en-US" sz="1000" b="1" i="0" u="none" strike="noStrike" dirty="0">
+                          <a:solidFill>
+                            <a:srgbClr val="000000"/>
+                          </a:solidFill>
+                          <a:effectLst/>
+                          <a:latin typeface="Arial" panose="020B0604020202020204" pitchFamily="34" charset="0"/>
+                          <a:cs typeface="Arial" panose="020B0604020202020204" pitchFamily="34" charset="0"/>
+                        </a:rPr>
+                        <a:t>FDR</a:t>
+                      </a:r>
+                    </a:p>
+                  </a:txBody>
+                  <a:tcPr marL="0" marR="0" marT="6927" marB="0" anchor="ctr">
+                    <a:lnL>
+                      <a:noFill/>
+                    </a:lnL>
+                    <a:lnR>
+                      <a:noFill/>
+                    </a:lnR>
+                    <a:lnT>
+                      <a:noFill/>
+                    </a:lnT>
+                    <a:lnB w="19050" cap="flat" cmpd="sng" algn="ctr">
+                      <a:solidFill>
+                        <a:schemeClr val="tx1"/>
+                      </a:solidFill>
+                      <a:prstDash val="solid"/>
+                      <a:round/>
+                      <a:headEnd type="none" w="med" len="med"/>
+                      <a:tailEnd type="none" w="med" len="med"/>
+                    </a:lnB>
+                  </a:tcPr>
+                </a:tc>
+                <a:extLst>
+                  <a:ext uri="{0D108BD9-81ED-4DB2-BD59-A6C34878D82A}">
+                    <a16:rowId xmlns:a16="http://schemas.microsoft.com/office/drawing/2014/main" val="370215941"/>
+                  </a:ext>
+                </a:extLst>
+              </a:tr>
+              <a:tr h="0">
+                <a:tc>
+                  <a:txBody>
+                    <a:bodyPr/>
+                    <a:lstStyle/>
+                    <a:p>
+                      <a:pPr algn="ctr" fontAlgn="b"/>
+                      <a:r>
+                        <a:rPr lang="en-US" sz="1000" b="0" i="0" u="none" strike="noStrike" dirty="0">
+                          <a:solidFill>
+                            <a:srgbClr val="000000"/>
+                          </a:solidFill>
+                          <a:effectLst/>
+                          <a:latin typeface="Arial" panose="020B0604020202020204" pitchFamily="34" charset="0"/>
+                          <a:cs typeface="Arial" panose="020B0604020202020204" pitchFamily="34" charset="0"/>
+                        </a:rPr>
+                        <a:t>Fatty acid metabolism</a:t>
+                      </a:r>
+                    </a:p>
+                  </a:txBody>
+                  <a:tcPr marL="0" marR="0" marT="6927" marB="0" anchor="ctr">
+                    <a:lnL>
+                      <a:noFill/>
+                    </a:lnL>
+                    <a:lnR w="19050" cap="flat" cmpd="sng" algn="ctr">
+                      <a:solidFill>
+                        <a:schemeClr val="tx1"/>
+                      </a:solidFill>
+                      <a:prstDash val="solid"/>
+                      <a:round/>
+                      <a:headEnd type="none" w="med" len="med"/>
+                      <a:tailEnd type="none" w="med" len="med"/>
+                    </a:lnR>
+                    <a:lnT w="19050" cap="flat" cmpd="sng" algn="ctr">
+                      <a:solidFill>
+                        <a:schemeClr val="tx1"/>
+                      </a:solidFill>
+                      <a:prstDash val="solid"/>
+                      <a:round/>
+                      <a:headEnd type="none" w="med" len="med"/>
+                      <a:tailEnd type="none" w="med" len="med"/>
+                    </a:lnT>
+                    <a:lnB>
+                      <a:noFill/>
+                    </a:lnB>
+                  </a:tcPr>
+                </a:tc>
+                <a:tc>
+                  <a:txBody>
+                    <a:bodyPr/>
+                    <a:lstStyle/>
+                    <a:p>
+                      <a:pPr algn="l" fontAlgn="b"/>
+                      <a:r>
+                        <a:rPr lang="en-US" sz="1000" b="0" i="0" u="none" strike="noStrike" dirty="0">
+                          <a:solidFill>
+                            <a:srgbClr val="000000"/>
+                          </a:solidFill>
+                          <a:effectLst/>
+                          <a:latin typeface="Arial" panose="020B0604020202020204" pitchFamily="34" charset="0"/>
+                          <a:cs typeface="Arial" panose="020B0604020202020204" pitchFamily="34" charset="0"/>
+                        </a:rPr>
+                        <a:t>CPT1A|ACAT1|FADS2|ACAA2|</a:t>
+                      </a:r>
+                    </a:p>
+                    <a:p>
+                      <a:pPr algn="l" fontAlgn="b"/>
+                      <a:r>
+                        <a:rPr lang="en-US" sz="1000" b="0" i="0" u="none" strike="noStrike" dirty="0">
+                          <a:solidFill>
+                            <a:srgbClr val="000000"/>
+                          </a:solidFill>
+                          <a:effectLst/>
+                          <a:latin typeface="Arial" panose="020B0604020202020204" pitchFamily="34" charset="0"/>
+                          <a:cs typeface="Arial" panose="020B0604020202020204" pitchFamily="34" charset="0"/>
+                        </a:rPr>
+                        <a:t>SCD5|FADS1|ACSL4|ACADVL|</a:t>
+                      </a:r>
+                    </a:p>
+                    <a:p>
+                      <a:pPr algn="l" fontAlgn="b"/>
+                      <a:r>
+                        <a:rPr lang="en-US" sz="1000" b="0" i="0" u="none" strike="noStrike" dirty="0">
+                          <a:solidFill>
+                            <a:srgbClr val="000000"/>
+                          </a:solidFill>
+                          <a:effectLst/>
+                          <a:latin typeface="Arial" panose="020B0604020202020204" pitchFamily="34" charset="0"/>
+                          <a:cs typeface="Arial" panose="020B0604020202020204" pitchFamily="34" charset="0"/>
+                        </a:rPr>
+                        <a:t>ACSL3|ACADSB|SCD</a:t>
+                      </a:r>
+                    </a:p>
+                    <a:p>
+                      <a:pPr algn="l" fontAlgn="b"/>
+                      <a:endParaRPr lang="en-US" sz="1000" b="0" i="0" u="none" strike="noStrike" dirty="0">
+                        <a:solidFill>
+                          <a:srgbClr val="000000"/>
+                        </a:solidFill>
+                        <a:effectLst/>
+                        <a:latin typeface="Arial" panose="020B0604020202020204" pitchFamily="34" charset="0"/>
+                        <a:cs typeface="Arial" panose="020B0604020202020204" pitchFamily="34" charset="0"/>
+                      </a:endParaRPr>
+                    </a:p>
+                  </a:txBody>
+                  <a:tcPr marL="45720" marR="0" marT="6927" marB="0" anchor="ctr">
+                    <a:lnL w="19050" cap="flat" cmpd="sng" algn="ctr">
+                      <a:solidFill>
+                        <a:schemeClr val="tx1"/>
+                      </a:solidFill>
+                      <a:prstDash val="solid"/>
+                      <a:round/>
+                      <a:headEnd type="none" w="med" len="med"/>
+                      <a:tailEnd type="none" w="med" len="med"/>
+                    </a:lnL>
+                    <a:lnR>
+                      <a:noFill/>
+                    </a:lnR>
+                    <a:lnT w="19050" cap="flat" cmpd="sng" algn="ctr">
+                      <a:solidFill>
+                        <a:schemeClr val="tx1"/>
+                      </a:solidFill>
+                      <a:prstDash val="solid"/>
+                      <a:round/>
+                      <a:headEnd type="none" w="med" len="med"/>
+                      <a:tailEnd type="none" w="med" len="med"/>
+                    </a:lnT>
+                    <a:lnB>
+                      <a:noFill/>
+                    </a:lnB>
+                  </a:tcPr>
+                </a:tc>
+                <a:tc>
+                  <a:txBody>
+                    <a:bodyPr/>
+                    <a:lstStyle/>
+                    <a:p>
+                      <a:pPr algn="ctr" fontAlgn="b"/>
+                      <a:r>
+                        <a:rPr lang="en-US" sz="1000" b="0" i="0" u="none" strike="noStrike" dirty="0">
+                          <a:solidFill>
+                            <a:srgbClr val="000000"/>
+                          </a:solidFill>
+                          <a:effectLst/>
+                          <a:latin typeface="Arial" panose="020B0604020202020204" pitchFamily="34" charset="0"/>
+                          <a:cs typeface="Arial" panose="020B0604020202020204" pitchFamily="34" charset="0"/>
+                        </a:rPr>
+                        <a:t>3.93E-09</a:t>
+                      </a:r>
+                    </a:p>
+                  </a:txBody>
+                  <a:tcPr marL="0" marR="0" marT="6927" marB="0" anchor="ctr">
+                    <a:lnL>
+                      <a:noFill/>
+                    </a:lnL>
+                    <a:lnR>
+                      <a:noFill/>
+                    </a:lnR>
+                    <a:lnT w="19050" cap="flat" cmpd="sng" algn="ctr">
+                      <a:solidFill>
+                        <a:schemeClr val="tx1"/>
+                      </a:solidFill>
+                      <a:prstDash val="solid"/>
+                      <a:round/>
+                      <a:headEnd type="none" w="med" len="med"/>
+                      <a:tailEnd type="none" w="med" len="med"/>
+                    </a:lnT>
+                    <a:lnB>
+                      <a:noFill/>
+                    </a:lnB>
+                  </a:tcPr>
+                </a:tc>
+                <a:extLst>
+                  <a:ext uri="{0D108BD9-81ED-4DB2-BD59-A6C34878D82A}">
+                    <a16:rowId xmlns:a16="http://schemas.microsoft.com/office/drawing/2014/main" val="1033674246"/>
+                  </a:ext>
+                </a:extLst>
+              </a:tr>
+              <a:tr h="0">
+                <a:tc>
+                  <a:txBody>
+                    <a:bodyPr/>
+                    <a:lstStyle/>
+                    <a:p>
+                      <a:pPr algn="ctr" fontAlgn="b"/>
+                      <a:r>
+                        <a:rPr lang="en-US" sz="1000" b="0" i="0" u="none" strike="noStrike" dirty="0">
+                          <a:solidFill>
+                            <a:srgbClr val="000000"/>
+                          </a:solidFill>
+                          <a:effectLst/>
+                          <a:latin typeface="Arial" panose="020B0604020202020204" pitchFamily="34" charset="0"/>
+                          <a:cs typeface="Arial" panose="020B0604020202020204" pitchFamily="34" charset="0"/>
+                        </a:rPr>
+                        <a:t>PPAR signaling pathway</a:t>
+                      </a:r>
+                    </a:p>
+                  </a:txBody>
+                  <a:tcPr marL="0" marR="0" marT="6927" marB="0" anchor="ctr">
+                    <a:lnL>
+                      <a:noFill/>
+                    </a:lnL>
+                    <a:lnR w="19050" cap="flat" cmpd="sng" algn="ctr">
+                      <a:solidFill>
+                        <a:schemeClr val="tx1"/>
+                      </a:solidFill>
+                      <a:prstDash val="solid"/>
+                      <a:round/>
+                      <a:headEnd type="none" w="med" len="med"/>
+                      <a:tailEnd type="none" w="med" len="med"/>
+                    </a:lnR>
+                    <a:lnT>
+                      <a:noFill/>
+                    </a:lnT>
+                    <a:lnB>
+                      <a:noFill/>
+                    </a:lnB>
+                  </a:tcPr>
+                </a:tc>
+                <a:tc>
+                  <a:txBody>
+                    <a:bodyPr/>
+                    <a:lstStyle/>
+                    <a:p>
+                      <a:pPr algn="l" fontAlgn="b"/>
+                      <a:r>
+                        <a:rPr lang="en-US" sz="1000" b="0" i="0" u="none" strike="noStrike" dirty="0">
+                          <a:solidFill>
+                            <a:srgbClr val="000000"/>
+                          </a:solidFill>
+                          <a:effectLst/>
+                          <a:latin typeface="Arial" panose="020B0604020202020204" pitchFamily="34" charset="0"/>
+                          <a:cs typeface="Arial" panose="020B0604020202020204" pitchFamily="34" charset="0"/>
+                        </a:rPr>
+                        <a:t>CPT1A|SLC27A2|FADS2|ANGPTL4|</a:t>
+                      </a:r>
+                    </a:p>
+                    <a:p>
+                      <a:pPr algn="l" fontAlgn="b"/>
+                      <a:r>
+                        <a:rPr lang="en-US" sz="1000" b="0" i="0" u="none" strike="noStrike" dirty="0">
+                          <a:solidFill>
+                            <a:srgbClr val="000000"/>
+                          </a:solidFill>
+                          <a:effectLst/>
+                          <a:latin typeface="Arial" panose="020B0604020202020204" pitchFamily="34" charset="0"/>
+                          <a:cs typeface="Arial" panose="020B0604020202020204" pitchFamily="34" charset="0"/>
+                        </a:rPr>
+                        <a:t>LPL|SCD5|ACSL4|ACSL3|HMGCS2|</a:t>
+                      </a:r>
+                    </a:p>
+                    <a:p>
+                      <a:pPr algn="l" fontAlgn="b"/>
+                      <a:r>
+                        <a:rPr lang="en-US" sz="1000" b="0" i="0" u="none" strike="noStrike" dirty="0">
+                          <a:solidFill>
+                            <a:srgbClr val="000000"/>
+                          </a:solidFill>
+                          <a:effectLst/>
+                          <a:latin typeface="Arial" panose="020B0604020202020204" pitchFamily="34" charset="0"/>
+                          <a:cs typeface="Arial" panose="020B0604020202020204" pitchFamily="34" charset="0"/>
+                        </a:rPr>
+                        <a:t>SCD|RXRB</a:t>
+                      </a:r>
+                    </a:p>
+                    <a:p>
+                      <a:pPr algn="l" fontAlgn="b"/>
+                      <a:endParaRPr lang="en-US" sz="1000" b="0" i="0" u="none" strike="noStrike" dirty="0">
+                        <a:solidFill>
+                          <a:srgbClr val="000000"/>
+                        </a:solidFill>
+                        <a:effectLst/>
+                        <a:latin typeface="Arial" panose="020B0604020202020204" pitchFamily="34" charset="0"/>
+                        <a:cs typeface="Arial" panose="020B0604020202020204" pitchFamily="34" charset="0"/>
+                      </a:endParaRPr>
+                    </a:p>
+                  </a:txBody>
+                  <a:tcPr marL="45720" marR="0" marT="6927" marB="0" anchor="ctr">
+                    <a:lnL w="19050" cap="flat" cmpd="sng" algn="ctr">
+                      <a:solidFill>
+                        <a:schemeClr val="tx1"/>
+                      </a:solidFill>
+                      <a:prstDash val="solid"/>
+                      <a:round/>
+                      <a:headEnd type="none" w="med" len="med"/>
+                      <a:tailEnd type="none" w="med" len="med"/>
+                    </a:lnL>
+                    <a:lnR>
+                      <a:noFill/>
+                    </a:lnR>
+                    <a:lnT>
+                      <a:noFill/>
+                    </a:lnT>
+                    <a:lnB>
+                      <a:noFill/>
+                    </a:lnB>
+                  </a:tcPr>
+                </a:tc>
+                <a:tc>
+                  <a:txBody>
+                    <a:bodyPr/>
+                    <a:lstStyle/>
+                    <a:p>
+                      <a:pPr algn="ctr" fontAlgn="b"/>
+                      <a:r>
+                        <a:rPr lang="en-US" sz="1000" b="0" i="0" u="none" strike="noStrike">
+                          <a:solidFill>
+                            <a:srgbClr val="000000"/>
+                          </a:solidFill>
+                          <a:effectLst/>
+                          <a:latin typeface="Arial" panose="020B0604020202020204" pitchFamily="34" charset="0"/>
+                          <a:cs typeface="Arial" panose="020B0604020202020204" pitchFamily="34" charset="0"/>
+                        </a:rPr>
+                        <a:t>1.07E-07</a:t>
+                      </a:r>
+                    </a:p>
+                  </a:txBody>
+                  <a:tcPr marL="0" marR="0" marT="6927" marB="0" anchor="ctr">
+                    <a:lnL>
+                      <a:noFill/>
+                    </a:lnL>
+                    <a:lnR>
+                      <a:noFill/>
+                    </a:lnR>
+                    <a:lnT>
+                      <a:noFill/>
+                    </a:lnT>
+                    <a:lnB>
+                      <a:noFill/>
+                    </a:lnB>
+                  </a:tcPr>
+                </a:tc>
+                <a:extLst>
+                  <a:ext uri="{0D108BD9-81ED-4DB2-BD59-A6C34878D82A}">
+                    <a16:rowId xmlns:a16="http://schemas.microsoft.com/office/drawing/2014/main" val="3555769182"/>
+                  </a:ext>
+                </a:extLst>
+              </a:tr>
+              <a:tr h="0">
+                <a:tc>
+                  <a:txBody>
+                    <a:bodyPr/>
+                    <a:lstStyle/>
+                    <a:p>
+                      <a:pPr algn="ctr" fontAlgn="b"/>
+                      <a:r>
+                        <a:rPr lang="en-US" sz="1000" b="0" i="0" u="none" strike="noStrike" dirty="0">
+                          <a:solidFill>
+                            <a:srgbClr val="000000"/>
+                          </a:solidFill>
+                          <a:effectLst/>
+                          <a:latin typeface="Arial" panose="020B0604020202020204" pitchFamily="34" charset="0"/>
+                          <a:cs typeface="Arial" panose="020B0604020202020204" pitchFamily="34" charset="0"/>
+                        </a:rPr>
+                        <a:t>PI3K-Akt signaling pathway</a:t>
+                      </a:r>
+                    </a:p>
+                  </a:txBody>
+                  <a:tcPr marL="0" marR="0" marT="6927" marB="0" anchor="ctr">
+                    <a:lnL>
+                      <a:noFill/>
+                    </a:lnL>
+                    <a:lnR w="19050" cap="flat" cmpd="sng" algn="ctr">
+                      <a:solidFill>
+                        <a:schemeClr val="tx1"/>
+                      </a:solidFill>
+                      <a:prstDash val="solid"/>
+                      <a:round/>
+                      <a:headEnd type="none" w="med" len="med"/>
+                      <a:tailEnd type="none" w="med" len="med"/>
+                    </a:lnR>
+                    <a:lnT>
+                      <a:noFill/>
+                    </a:lnT>
+                    <a:lnB>
+                      <a:noFill/>
+                    </a:lnB>
+                  </a:tcPr>
+                </a:tc>
+                <a:tc>
+                  <a:txBody>
+                    <a:bodyPr/>
+                    <a:lstStyle/>
+                    <a:p>
+                      <a:pPr algn="l" fontAlgn="b"/>
+                      <a:r>
+                        <a:rPr lang="en-US" sz="1000" b="0" i="0" u="none" strike="noStrike" dirty="0">
+                          <a:solidFill>
+                            <a:srgbClr val="000000"/>
+                          </a:solidFill>
+                          <a:effectLst/>
+                          <a:latin typeface="Arial" panose="020B0604020202020204" pitchFamily="34" charset="0"/>
+                          <a:cs typeface="Arial" panose="020B0604020202020204" pitchFamily="34" charset="0"/>
+                        </a:rPr>
+                        <a:t>GNB4|CDKN1A|GNB5|COL6A3|ITGB1|</a:t>
+                      </a:r>
+                    </a:p>
+                    <a:p>
+                      <a:pPr algn="l" fontAlgn="b"/>
+                      <a:r>
+                        <a:rPr lang="en-US" sz="1000" b="0" i="0" u="none" strike="noStrike" dirty="0">
+                          <a:solidFill>
+                            <a:srgbClr val="000000"/>
+                          </a:solidFill>
+                          <a:effectLst/>
+                          <a:latin typeface="Arial" panose="020B0604020202020204" pitchFamily="34" charset="0"/>
+                          <a:cs typeface="Arial" panose="020B0604020202020204" pitchFamily="34" charset="0"/>
+                        </a:rPr>
+                        <a:t>COL3A1|ANGPT2|F2R|FGF1|EIF4EBP1|</a:t>
+                      </a:r>
+                    </a:p>
+                    <a:p>
+                      <a:pPr algn="l" fontAlgn="b"/>
+                      <a:r>
+                        <a:rPr lang="en-US" sz="1000" b="0" i="0" u="none" strike="noStrike" dirty="0">
+                          <a:solidFill>
+                            <a:srgbClr val="000000"/>
+                          </a:solidFill>
+                          <a:effectLst/>
+                          <a:latin typeface="Arial" panose="020B0604020202020204" pitchFamily="34" charset="0"/>
+                          <a:cs typeface="Arial" panose="020B0604020202020204" pitchFamily="34" charset="0"/>
+                        </a:rPr>
+                        <a:t>THBS2|CRTC2|ITGA10|GNG12|MYC|</a:t>
+                      </a:r>
+                    </a:p>
+                    <a:p>
+                      <a:pPr algn="l" fontAlgn="b"/>
+                      <a:r>
+                        <a:rPr lang="en-US" sz="1000" b="0" i="0" u="none" strike="noStrike" dirty="0">
+                          <a:solidFill>
+                            <a:srgbClr val="000000"/>
+                          </a:solidFill>
+                          <a:effectLst/>
+                          <a:latin typeface="Arial" panose="020B0604020202020204" pitchFamily="34" charset="0"/>
+                          <a:cs typeface="Arial" panose="020B0604020202020204" pitchFamily="34" charset="0"/>
+                        </a:rPr>
+                        <a:t>GNG7|COL4A3|RELN|LAMA2|TNXB</a:t>
+                      </a:r>
+                    </a:p>
+                    <a:p>
+                      <a:pPr algn="l" fontAlgn="b"/>
+                      <a:endParaRPr lang="en-US" sz="1000" b="0" i="0" u="none" strike="noStrike" dirty="0">
+                        <a:solidFill>
+                          <a:srgbClr val="000000"/>
+                        </a:solidFill>
+                        <a:effectLst/>
+                        <a:latin typeface="Arial" panose="020B0604020202020204" pitchFamily="34" charset="0"/>
+                        <a:cs typeface="Arial" panose="020B0604020202020204" pitchFamily="34" charset="0"/>
+                      </a:endParaRPr>
+                    </a:p>
+                  </a:txBody>
+                  <a:tcPr marL="45720" marR="0" marT="6927" marB="0" anchor="ctr">
+                    <a:lnL w="19050" cap="flat" cmpd="sng" algn="ctr">
+                      <a:solidFill>
+                        <a:schemeClr val="tx1"/>
+                      </a:solidFill>
+                      <a:prstDash val="solid"/>
+                      <a:round/>
+                      <a:headEnd type="none" w="med" len="med"/>
+                      <a:tailEnd type="none" w="med" len="med"/>
+                    </a:lnL>
+                    <a:lnR>
+                      <a:noFill/>
+                    </a:lnR>
+                    <a:lnT>
+                      <a:noFill/>
+                    </a:lnT>
+                    <a:lnB>
+                      <a:noFill/>
+                    </a:lnB>
+                  </a:tcPr>
+                </a:tc>
+                <a:tc>
+                  <a:txBody>
+                    <a:bodyPr/>
+                    <a:lstStyle/>
+                    <a:p>
+                      <a:pPr algn="ctr" fontAlgn="b"/>
+                      <a:r>
+                        <a:rPr lang="en-US" sz="1000" b="0" i="0" u="none" strike="noStrike" dirty="0">
+                          <a:solidFill>
+                            <a:srgbClr val="000000"/>
+                          </a:solidFill>
+                          <a:effectLst/>
+                          <a:latin typeface="Arial" panose="020B0604020202020204" pitchFamily="34" charset="0"/>
+                          <a:cs typeface="Arial" panose="020B0604020202020204" pitchFamily="34" charset="0"/>
+                        </a:rPr>
+                        <a:t>8.73E-07</a:t>
+                      </a:r>
+                    </a:p>
+                  </a:txBody>
+                  <a:tcPr marL="0" marR="0" marT="6927" marB="0" anchor="ctr">
+                    <a:lnL>
+                      <a:noFill/>
+                    </a:lnL>
+                    <a:lnR>
+                      <a:noFill/>
+                    </a:lnR>
+                    <a:lnT>
+                      <a:noFill/>
+                    </a:lnT>
+                    <a:lnB>
+                      <a:noFill/>
+                    </a:lnB>
+                  </a:tcPr>
+                </a:tc>
+                <a:extLst>
+                  <a:ext uri="{0D108BD9-81ED-4DB2-BD59-A6C34878D82A}">
+                    <a16:rowId xmlns:a16="http://schemas.microsoft.com/office/drawing/2014/main" val="2498985203"/>
+                  </a:ext>
+                </a:extLst>
+              </a:tr>
+              <a:tr h="0">
+                <a:tc>
+                  <a:txBody>
+                    <a:bodyPr/>
+                    <a:lstStyle/>
+                    <a:p>
+                      <a:pPr algn="ctr" fontAlgn="b"/>
+                      <a:r>
+                        <a:rPr lang="en-US" sz="1000" b="0" i="0" u="none" strike="noStrike" dirty="0">
+                          <a:solidFill>
+                            <a:srgbClr val="000000"/>
+                          </a:solidFill>
+                          <a:effectLst/>
+                          <a:latin typeface="Arial" panose="020B0604020202020204" pitchFamily="34" charset="0"/>
+                          <a:cs typeface="Arial" panose="020B0604020202020204" pitchFamily="34" charset="0"/>
+                        </a:rPr>
+                        <a:t>Valine, leucine and </a:t>
+                      </a:r>
+                    </a:p>
+                    <a:p>
+                      <a:pPr algn="ctr" fontAlgn="b"/>
+                      <a:r>
+                        <a:rPr lang="en-US" sz="1000" b="0" i="0" u="none" strike="noStrike" dirty="0">
+                          <a:solidFill>
+                            <a:srgbClr val="000000"/>
+                          </a:solidFill>
+                          <a:effectLst/>
+                          <a:latin typeface="Arial" panose="020B0604020202020204" pitchFamily="34" charset="0"/>
+                          <a:cs typeface="Arial" panose="020B0604020202020204" pitchFamily="34" charset="0"/>
+                        </a:rPr>
+                        <a:t>isoleucine degradation</a:t>
+                      </a:r>
+                    </a:p>
+                  </a:txBody>
+                  <a:tcPr marL="0" marR="0" marT="6927" marB="0" anchor="ctr">
+                    <a:lnL>
+                      <a:noFill/>
+                    </a:lnL>
+                    <a:lnR w="19050" cap="flat" cmpd="sng" algn="ctr">
+                      <a:solidFill>
+                        <a:schemeClr val="tx1"/>
+                      </a:solidFill>
+                      <a:prstDash val="solid"/>
+                      <a:round/>
+                      <a:headEnd type="none" w="med" len="med"/>
+                      <a:tailEnd type="none" w="med" len="med"/>
+                    </a:lnR>
+                    <a:lnT>
+                      <a:noFill/>
+                    </a:lnT>
+                    <a:lnB>
+                      <a:noFill/>
+                    </a:lnB>
+                  </a:tcPr>
+                </a:tc>
+                <a:tc>
+                  <a:txBody>
+                    <a:bodyPr/>
+                    <a:lstStyle/>
+                    <a:p>
+                      <a:pPr algn="l" fontAlgn="b"/>
+                      <a:r>
+                        <a:rPr lang="en-US" sz="1000" b="0" i="0" u="none" strike="noStrike" dirty="0">
+                          <a:solidFill>
+                            <a:srgbClr val="000000"/>
+                          </a:solidFill>
+                          <a:effectLst/>
+                          <a:latin typeface="Arial" panose="020B0604020202020204" pitchFamily="34" charset="0"/>
+                          <a:cs typeface="Arial" panose="020B0604020202020204" pitchFamily="34" charset="0"/>
+                        </a:rPr>
+                        <a:t>OXCT1|ACAT1|ABAT|ACAA2|ALDH9A1|</a:t>
+                      </a:r>
+                    </a:p>
+                    <a:p>
+                      <a:pPr algn="l" fontAlgn="b"/>
+                      <a:r>
+                        <a:rPr lang="en-US" sz="1000" b="0" i="0" u="none" strike="noStrike" dirty="0">
+                          <a:solidFill>
+                            <a:srgbClr val="000000"/>
+                          </a:solidFill>
+                          <a:effectLst/>
+                          <a:latin typeface="Arial" panose="020B0604020202020204" pitchFamily="34" charset="0"/>
+                          <a:cs typeface="Arial" panose="020B0604020202020204" pitchFamily="34" charset="0"/>
+                        </a:rPr>
+                        <a:t>ACADSB|HMGCS2|ALDH6A1</a:t>
+                      </a:r>
+                    </a:p>
+                  </a:txBody>
+                  <a:tcPr marL="45720" marR="0" marT="6927" marB="0" anchor="ctr">
+                    <a:lnL w="19050" cap="flat" cmpd="sng" algn="ctr">
+                      <a:solidFill>
+                        <a:schemeClr val="tx1"/>
+                      </a:solidFill>
+                      <a:prstDash val="solid"/>
+                      <a:round/>
+                      <a:headEnd type="none" w="med" len="med"/>
+                      <a:tailEnd type="none" w="med" len="med"/>
+                    </a:lnL>
+                    <a:lnR>
+                      <a:noFill/>
+                    </a:lnR>
+                    <a:lnT>
+                      <a:noFill/>
+                    </a:lnT>
+                    <a:lnB>
+                      <a:noFill/>
+                    </a:lnB>
+                  </a:tcPr>
+                </a:tc>
+                <a:tc>
+                  <a:txBody>
+                    <a:bodyPr/>
+                    <a:lstStyle/>
+                    <a:p>
+                      <a:pPr algn="ctr" fontAlgn="b"/>
+                      <a:r>
+                        <a:rPr lang="en-US" sz="1000" b="0" i="0" u="none" strike="noStrike" dirty="0">
+                          <a:solidFill>
+                            <a:srgbClr val="000000"/>
+                          </a:solidFill>
+                          <a:effectLst/>
+                          <a:latin typeface="Arial" panose="020B0604020202020204" pitchFamily="34" charset="0"/>
+                          <a:cs typeface="Arial" panose="020B0604020202020204" pitchFamily="34" charset="0"/>
+                        </a:rPr>
+                        <a:t>3.61E-06</a:t>
+                      </a:r>
+                    </a:p>
+                  </a:txBody>
+                  <a:tcPr marL="0" marR="0" marT="6927" marB="0" anchor="ctr">
+                    <a:lnL>
+                      <a:noFill/>
+                    </a:lnL>
+                    <a:lnR>
+                      <a:noFill/>
+                    </a:lnR>
+                    <a:lnT>
+                      <a:noFill/>
+                    </a:lnT>
+                    <a:lnB>
+                      <a:noFill/>
+                    </a:lnB>
+                  </a:tcPr>
+                </a:tc>
+                <a:extLst>
+                  <a:ext uri="{0D108BD9-81ED-4DB2-BD59-A6C34878D82A}">
+                    <a16:rowId xmlns:a16="http://schemas.microsoft.com/office/drawing/2014/main" val="2792393665"/>
+                  </a:ext>
+                </a:extLst>
+              </a:tr>
+              <a:tr h="0">
+                <a:tc>
+                  <a:txBody>
+                    <a:bodyPr/>
+                    <a:lstStyle/>
+                    <a:p>
+                      <a:pPr algn="ctr" fontAlgn="b"/>
+                      <a:r>
+                        <a:rPr lang="en-US" sz="1000" b="0" i="0" u="none" strike="noStrike" dirty="0">
+                          <a:solidFill>
+                            <a:srgbClr val="000000"/>
+                          </a:solidFill>
+                          <a:effectLst/>
+                          <a:latin typeface="Arial" panose="020B0604020202020204" pitchFamily="34" charset="0"/>
+                          <a:cs typeface="Arial" panose="020B0604020202020204" pitchFamily="34" charset="0"/>
+                        </a:rPr>
+                        <a:t>Fatty acid degradation</a:t>
+                      </a:r>
+                    </a:p>
+                  </a:txBody>
+                  <a:tcPr marL="0" marR="0" marT="6927" marB="0" anchor="ctr">
+                    <a:lnL>
+                      <a:noFill/>
+                    </a:lnL>
+                    <a:lnR w="19050" cap="flat" cmpd="sng" algn="ctr">
+                      <a:solidFill>
+                        <a:schemeClr val="tx1"/>
+                      </a:solidFill>
+                      <a:prstDash val="solid"/>
+                      <a:round/>
+                      <a:headEnd type="none" w="med" len="med"/>
+                      <a:tailEnd type="none" w="med" len="med"/>
+                    </a:lnR>
+                    <a:lnT>
+                      <a:noFill/>
+                    </a:lnT>
+                    <a:lnB>
+                      <a:noFill/>
+                    </a:lnB>
+                  </a:tcPr>
+                </a:tc>
+                <a:tc>
+                  <a:txBody>
+                    <a:bodyPr/>
+                    <a:lstStyle/>
+                    <a:p>
+                      <a:pPr algn="l" fontAlgn="b"/>
+                      <a:r>
+                        <a:rPr lang="en-US" sz="1000" b="0" i="0" u="none" strike="noStrike" dirty="0">
+                          <a:solidFill>
+                            <a:srgbClr val="000000"/>
+                          </a:solidFill>
+                          <a:effectLst/>
+                          <a:latin typeface="Arial" panose="020B0604020202020204" pitchFamily="34" charset="0"/>
+                          <a:cs typeface="Arial" panose="020B0604020202020204" pitchFamily="34" charset="0"/>
+                        </a:rPr>
+                        <a:t>CPT1A|ACAT1|ACAA2|ACSL4|ALDH9A1|</a:t>
+                      </a:r>
+                    </a:p>
+                    <a:p>
+                      <a:pPr algn="l" fontAlgn="b"/>
+                      <a:r>
+                        <a:rPr lang="en-US" sz="1000" b="0" i="0" u="none" strike="noStrike" dirty="0">
+                          <a:solidFill>
+                            <a:srgbClr val="000000"/>
+                          </a:solidFill>
+                          <a:effectLst/>
+                          <a:latin typeface="Arial" panose="020B0604020202020204" pitchFamily="34" charset="0"/>
+                          <a:cs typeface="Arial" panose="020B0604020202020204" pitchFamily="34" charset="0"/>
+                        </a:rPr>
+                        <a:t>ACADVL|ACSL3|ACADSB</a:t>
+                      </a:r>
+                    </a:p>
+                  </a:txBody>
+                  <a:tcPr marL="45720" marR="0" marT="6927" marB="0" anchor="ctr">
+                    <a:lnL w="19050" cap="flat" cmpd="sng" algn="ctr">
+                      <a:solidFill>
+                        <a:schemeClr val="tx1"/>
+                      </a:solidFill>
+                      <a:prstDash val="solid"/>
+                      <a:round/>
+                      <a:headEnd type="none" w="med" len="med"/>
+                      <a:tailEnd type="none" w="med" len="med"/>
+                    </a:lnL>
+                    <a:lnR>
+                      <a:noFill/>
+                    </a:lnR>
+                    <a:lnT>
+                      <a:noFill/>
+                    </a:lnT>
+                    <a:lnB>
+                      <a:noFill/>
+                    </a:lnB>
+                  </a:tcPr>
+                </a:tc>
+                <a:tc>
+                  <a:txBody>
+                    <a:bodyPr/>
+                    <a:lstStyle/>
+                    <a:p>
+                      <a:pPr algn="ctr" fontAlgn="b"/>
+                      <a:r>
+                        <a:rPr lang="en-US" sz="1000" b="0" i="0" u="none" strike="noStrike" dirty="0">
+                          <a:solidFill>
+                            <a:srgbClr val="000000"/>
+                          </a:solidFill>
+                          <a:effectLst/>
+                          <a:latin typeface="Arial" panose="020B0604020202020204" pitchFamily="34" charset="0"/>
+                          <a:cs typeface="Arial" panose="020B0604020202020204" pitchFamily="34" charset="0"/>
+                        </a:rPr>
+                        <a:t>3.61E-06</a:t>
+                      </a:r>
+                    </a:p>
+                  </a:txBody>
+                  <a:tcPr marL="0" marR="0" marT="6927" marB="0" anchor="ctr">
+                    <a:lnL>
+                      <a:noFill/>
+                    </a:lnL>
+                    <a:lnR>
+                      <a:noFill/>
+                    </a:lnR>
+                    <a:lnT>
+                      <a:noFill/>
+                    </a:lnT>
+                    <a:lnB>
+                      <a:noFill/>
+                    </a:lnB>
+                  </a:tcPr>
+                </a:tc>
+                <a:extLst>
+                  <a:ext uri="{0D108BD9-81ED-4DB2-BD59-A6C34878D82A}">
+                    <a16:rowId xmlns:a16="http://schemas.microsoft.com/office/drawing/2014/main" val="4149422033"/>
+                  </a:ext>
+                </a:extLst>
+              </a:tr>
+            </a:tbl>
+          </a:graphicData>
+        </a:graphic>
+      </p:graphicFrame>
+      <p:pic>
+        <p:nvPicPr>
+          <p:cNvPr id="3" name="Picture 2">
+            <a:extLst>
+              <a:ext uri="{FF2B5EF4-FFF2-40B4-BE49-F238E27FC236}">
+                <a16:creationId xmlns:a16="http://schemas.microsoft.com/office/drawing/2014/main" id="{A976654F-9EC3-9647-ADC7-A661B3592772}"/>
+              </a:ext>
+            </a:extLst>
+          </p:cNvPr>
+          <p:cNvPicPr>
+            <a:picLocks noChangeAspect="1"/>
+          </p:cNvPicPr>
+          <p:nvPr/>
+        </p:nvPicPr>
+        <p:blipFill rotWithShape="1">
+          <a:blip r:embed="rId2"/>
+          <a:srcRect l="28733" t="2622" r="36669" b="64511"/>
+          <a:stretch/>
+        </p:blipFill>
+        <p:spPr>
+          <a:xfrm rot="16200000">
+            <a:off x="615641" y="-130158"/>
+            <a:ext cx="3697232" cy="4545306"/>
+          </a:xfrm>
+          <a:prstGeom prst="rect">
+            <a:avLst/>
+          </a:prstGeom>
+        </p:spPr>
+      </p:pic>
+      <p:sp>
+        <p:nvSpPr>
+          <p:cNvPr id="4" name="TextBox 3">
+            <a:extLst>
+              <a:ext uri="{FF2B5EF4-FFF2-40B4-BE49-F238E27FC236}">
+                <a16:creationId xmlns:a16="http://schemas.microsoft.com/office/drawing/2014/main" id="{8771CE3E-046D-D24E-9CAE-A5B21441438E}"/>
+              </a:ext>
+            </a:extLst>
+          </p:cNvPr>
+          <p:cNvSpPr txBox="1"/>
+          <p:nvPr/>
+        </p:nvSpPr>
+        <p:spPr>
+          <a:xfrm>
+            <a:off x="0" y="-48827"/>
+            <a:ext cx="2564035" cy="369332"/>
+          </a:xfrm>
+          <a:prstGeom prst="rect">
+            <a:avLst/>
+          </a:prstGeom>
+          <a:noFill/>
+        </p:spPr>
+        <p:txBody>
+          <a:bodyPr wrap="none" rtlCol="0">
+            <a:spAutoFit/>
+          </a:bodyPr>
+          <a:lstStyle/>
+          <a:p>
+            <a:r>
+              <a:rPr lang="en-US" b="1" dirty="0"/>
+              <a:t>Supplementary Figure S2</a:t>
+            </a:r>
+          </a:p>
+        </p:txBody>
+      </p:sp>
+      <p:sp>
+        <p:nvSpPr>
+          <p:cNvPr id="6" name="Rectangle 5">
+            <a:extLst>
+              <a:ext uri="{FF2B5EF4-FFF2-40B4-BE49-F238E27FC236}">
+                <a16:creationId xmlns:a16="http://schemas.microsoft.com/office/drawing/2014/main" id="{F7FB0E5E-689D-9341-BFAB-07EA959F555B}"/>
+              </a:ext>
+            </a:extLst>
+          </p:cNvPr>
+          <p:cNvSpPr/>
+          <p:nvPr/>
+        </p:nvSpPr>
+        <p:spPr>
+          <a:xfrm>
+            <a:off x="-6171" y="6884484"/>
+            <a:ext cx="4924159" cy="1200329"/>
+          </a:xfrm>
+          <a:prstGeom prst="rect">
+            <a:avLst/>
+          </a:prstGeom>
+        </p:spPr>
+        <p:txBody>
+          <a:bodyPr wrap="square">
+            <a:spAutoFit/>
+          </a:bodyPr>
+          <a:lstStyle/>
+          <a:p>
+            <a:pPr algn="just"/>
+            <a:r>
+              <a:rPr lang="en-US" sz="1200" b="1" dirty="0">
+                <a:latin typeface="Arial" panose="020B0604020202020204" pitchFamily="34" charset="0"/>
+                <a:ea typeface="Calibri" panose="020F0502020204030204" pitchFamily="34" charset="0"/>
+                <a:cs typeface="Arial" panose="020B0604020202020204" pitchFamily="34" charset="0"/>
+              </a:rPr>
+              <a:t>Supplemental Figure S12. (a) </a:t>
+            </a:r>
+            <a:r>
+              <a:rPr lang="en-US" sz="1200" dirty="0">
+                <a:latin typeface="Arial" panose="020B0604020202020204" pitchFamily="34" charset="0"/>
+                <a:ea typeface="Calibri" panose="020F0502020204030204" pitchFamily="34" charset="0"/>
+                <a:cs typeface="Arial" panose="020B0604020202020204" pitchFamily="34" charset="0"/>
+              </a:rPr>
+              <a:t>Protein-protein interaction network of RNA-sequencing dataset generated by Cruciani </a:t>
+            </a:r>
+            <a:r>
+              <a:rPr lang="en-US" sz="1200" i="1" dirty="0">
+                <a:latin typeface="Arial" panose="020B0604020202020204" pitchFamily="34" charset="0"/>
+                <a:ea typeface="Calibri" panose="020F0502020204030204" pitchFamily="34" charset="0"/>
+                <a:cs typeface="Arial" panose="020B0604020202020204" pitchFamily="34" charset="0"/>
+              </a:rPr>
+              <a:t>et al.</a:t>
+            </a:r>
+            <a:r>
+              <a:rPr lang="en-US" sz="1200" dirty="0">
+                <a:latin typeface="Arial" panose="020B0604020202020204" pitchFamily="34" charset="0"/>
+                <a:ea typeface="Calibri" panose="020F0502020204030204" pitchFamily="34" charset="0"/>
+                <a:cs typeface="Arial" panose="020B0604020202020204" pitchFamily="34" charset="0"/>
+              </a:rPr>
+              <a:t> (PMID: 28377873) of 30-day HFD for the C57BL/6J mice (n = 6) relative to normal chow-fed mice. (b) Gene set enrichment analysis of the protein-protein interactome using the KEGG pathway database, reporting the top-5 most enriched pathways.</a:t>
+            </a:r>
+          </a:p>
+        </p:txBody>
+      </p:sp>
     </p:spTree>
     <p:extLst>
       <p:ext uri="{BB962C8B-B14F-4D97-AF65-F5344CB8AC3E}">
         <p14:creationId xmlns:p14="http://schemas.microsoft.com/office/powerpoint/2010/main" val="3227135607"/>
-      </p:ext>
-    </p:extLst>
-  </p:cSld>
-  <p:clrMapOvr>
-    <a:masterClrMapping/>
-  </p:clrMapOvr>
-</p:sld>
-</file>
-
-<file path=ppt/slides/slide3.xml><?xml version="1.0" encoding="utf-8"?>
-<p:sld xmlns:a="http://schemas.openxmlformats.org/drawingml/2006/main" xmlns:r="http://schemas.openxmlformats.org/officeDocument/2006/relationships" xmlns:p="http://schemas.openxmlformats.org/presentationml/2006/main">
-  <p:cSld>
-    <p:spTree>
-      <p:nvGrpSpPr>
-        <p:cNvPr id="1" name=""/>
-        <p:cNvGrpSpPr/>
-        <p:nvPr/>
-      </p:nvGrpSpPr>
-      <p:grpSpPr>
-        <a:xfrm>
-          <a:off x="0" y="0"/>
-          <a:ext cx="0" cy="0"/>
-          <a:chOff x="0" y="0"/>
-          <a:chExt cx="0" cy="0"/>
-        </a:xfrm>
-      </p:grpSpPr>
-    </p:spTree>
-    <p:extLst>
-      <p:ext uri="{BB962C8B-B14F-4D97-AF65-F5344CB8AC3E}">
-        <p14:creationId xmlns:p14="http://schemas.microsoft.com/office/powerpoint/2010/main" val="304219770"/>
-      </p:ext>
-    </p:extLst>
-  </p:cSld>
-  <p:clrMapOvr>
-    <a:masterClrMapping/>
-  </p:clrMapOvr>
-</p:sld>
-</file>
-
-<file path=ppt/slides/slide4.xml><?xml version="1.0" encoding="utf-8"?>
-<p:sld xmlns:a="http://schemas.openxmlformats.org/drawingml/2006/main" xmlns:r="http://schemas.openxmlformats.org/officeDocument/2006/relationships" xmlns:p="http://schemas.openxmlformats.org/presentationml/2006/main">
-  <p:cSld>
-    <p:spTree>
-      <p:nvGrpSpPr>
-        <p:cNvPr id="1" name=""/>
-        <p:cNvGrpSpPr/>
-        <p:nvPr/>
-      </p:nvGrpSpPr>
-      <p:grpSpPr>
-        <a:xfrm>
-          <a:off x="0" y="0"/>
-          <a:ext cx="0" cy="0"/>
-          <a:chOff x="0" y="0"/>
-          <a:chExt cx="0" cy="0"/>
-        </a:xfrm>
-      </p:grpSpPr>
-    </p:spTree>
-    <p:extLst>
-      <p:ext uri="{BB962C8B-B14F-4D97-AF65-F5344CB8AC3E}">
-        <p14:creationId xmlns:p14="http://schemas.microsoft.com/office/powerpoint/2010/main" val="944536074"/>
       </p:ext>
     </p:extLst>
   </p:cSld>

--- a/Supplemental Figures.pptx
+++ b/Supplemental Figures.pptx
@@ -244,7 +244,7 @@
           <a:p>
             <a:fld id="{95B3ABA4-46C5-9042-A060-0BC9209497B0}" type="datetimeFigureOut">
               <a:rPr lang="en-US" smtClean="0"/>
-              <a:t>10/31/18</a:t>
+              <a:t>11/7/18</a:t>
             </a:fld>
             <a:endParaRPr lang="en-US"/>
           </a:p>
@@ -414,7 +414,7 @@
           <a:p>
             <a:fld id="{95B3ABA4-46C5-9042-A060-0BC9209497B0}" type="datetimeFigureOut">
               <a:rPr lang="en-US" smtClean="0"/>
-              <a:t>10/31/18</a:t>
+              <a:t>11/7/18</a:t>
             </a:fld>
             <a:endParaRPr lang="en-US"/>
           </a:p>
@@ -594,7 +594,7 @@
           <a:p>
             <a:fld id="{95B3ABA4-46C5-9042-A060-0BC9209497B0}" type="datetimeFigureOut">
               <a:rPr lang="en-US" smtClean="0"/>
-              <a:t>10/31/18</a:t>
+              <a:t>11/7/18</a:t>
             </a:fld>
             <a:endParaRPr lang="en-US"/>
           </a:p>
@@ -764,7 +764,7 @@
           <a:p>
             <a:fld id="{95B3ABA4-46C5-9042-A060-0BC9209497B0}" type="datetimeFigureOut">
               <a:rPr lang="en-US" smtClean="0"/>
-              <a:t>10/31/18</a:t>
+              <a:t>11/7/18</a:t>
             </a:fld>
             <a:endParaRPr lang="en-US"/>
           </a:p>
@@ -1008,7 +1008,7 @@
           <a:p>
             <a:fld id="{95B3ABA4-46C5-9042-A060-0BC9209497B0}" type="datetimeFigureOut">
               <a:rPr lang="en-US" smtClean="0"/>
-              <a:t>10/31/18</a:t>
+              <a:t>11/7/18</a:t>
             </a:fld>
             <a:endParaRPr lang="en-US"/>
           </a:p>
@@ -1240,7 +1240,7 @@
           <a:p>
             <a:fld id="{95B3ABA4-46C5-9042-A060-0BC9209497B0}" type="datetimeFigureOut">
               <a:rPr lang="en-US" smtClean="0"/>
-              <a:t>10/31/18</a:t>
+              <a:t>11/7/18</a:t>
             </a:fld>
             <a:endParaRPr lang="en-US"/>
           </a:p>
@@ -1607,7 +1607,7 @@
           <a:p>
             <a:fld id="{95B3ABA4-46C5-9042-A060-0BC9209497B0}" type="datetimeFigureOut">
               <a:rPr lang="en-US" smtClean="0"/>
-              <a:t>10/31/18</a:t>
+              <a:t>11/7/18</a:t>
             </a:fld>
             <a:endParaRPr lang="en-US"/>
           </a:p>
@@ -1725,7 +1725,7 @@
           <a:p>
             <a:fld id="{95B3ABA4-46C5-9042-A060-0BC9209497B0}" type="datetimeFigureOut">
               <a:rPr lang="en-US" smtClean="0"/>
-              <a:t>10/31/18</a:t>
+              <a:t>11/7/18</a:t>
             </a:fld>
             <a:endParaRPr lang="en-US"/>
           </a:p>
@@ -1820,7 +1820,7 @@
           <a:p>
             <a:fld id="{95B3ABA4-46C5-9042-A060-0BC9209497B0}" type="datetimeFigureOut">
               <a:rPr lang="en-US" smtClean="0"/>
-              <a:t>10/31/18</a:t>
+              <a:t>11/7/18</a:t>
             </a:fld>
             <a:endParaRPr lang="en-US"/>
           </a:p>
@@ -2097,7 +2097,7 @@
           <a:p>
             <a:fld id="{95B3ABA4-46C5-9042-A060-0BC9209497B0}" type="datetimeFigureOut">
               <a:rPr lang="en-US" smtClean="0"/>
-              <a:t>10/31/18</a:t>
+              <a:t>11/7/18</a:t>
             </a:fld>
             <a:endParaRPr lang="en-US"/>
           </a:p>
@@ -2354,7 +2354,7 @@
           <a:p>
             <a:fld id="{95B3ABA4-46C5-9042-A060-0BC9209497B0}" type="datetimeFigureOut">
               <a:rPr lang="en-US" smtClean="0"/>
-              <a:t>10/31/18</a:t>
+              <a:t>11/7/18</a:t>
             </a:fld>
             <a:endParaRPr lang="en-US"/>
           </a:p>
@@ -2567,7 +2567,7 @@
           <a:p>
             <a:fld id="{95B3ABA4-46C5-9042-A060-0BC9209497B0}" type="datetimeFigureOut">
               <a:rPr lang="en-US" smtClean="0"/>
-              <a:t>10/31/18</a:t>
+              <a:t>11/7/18</a:t>
             </a:fld>
             <a:endParaRPr lang="en-US"/>
           </a:p>
@@ -4138,7 +4138,7 @@
         </p:nvSpPr>
         <p:spPr>
           <a:xfrm>
-            <a:off x="0" y="-48827"/>
+            <a:off x="5208365" y="-48827"/>
             <a:ext cx="2564035" cy="369332"/>
           </a:xfrm>
           <a:prstGeom prst="rect">
@@ -4152,6 +4152,7 @@
           </a:bodyPr>
           <a:lstStyle/>
           <a:p>
+            <a:pPr algn="r"/>
             <a:r>
               <a:rPr lang="en-US" b="1" dirty="0"/>
               <a:t>Supplementary Figure S2</a:t>
@@ -4217,7 +4218,93 @@
                 <a:ea typeface="Calibri" panose="020F0502020204030204" pitchFamily="34" charset="0"/>
                 <a:cs typeface="Arial" panose="020B0604020202020204" pitchFamily="34" charset="0"/>
               </a:rPr>
-              <a:t> (PMID: 28377873) of 30-day HFD for the C57BL/6J mice (n = 6) relative to normal chow-fed mice. (b) Gene set enrichment analysis of the protein-protein interactome using the KEGG pathway database, reporting the top-5 most enriched pathways.</a:t>
+              <a:t> (PMID: 28377873) of 30-day HFD for the C57BL/6J mice (n = 6) relative to normal chow-fed mice. </a:t>
+            </a:r>
+            <a:r>
+              <a:rPr lang="en-US" sz="1200" b="1" dirty="0">
+                <a:latin typeface="Arial" panose="020B0604020202020204" pitchFamily="34" charset="0"/>
+                <a:ea typeface="Calibri" panose="020F0502020204030204" pitchFamily="34" charset="0"/>
+                <a:cs typeface="Arial" panose="020B0604020202020204" pitchFamily="34" charset="0"/>
+              </a:rPr>
+              <a:t>(b) </a:t>
+            </a:r>
+            <a:r>
+              <a:rPr lang="en-US" sz="1200" dirty="0">
+                <a:latin typeface="Arial" panose="020B0604020202020204" pitchFamily="34" charset="0"/>
+                <a:ea typeface="Calibri" panose="020F0502020204030204" pitchFamily="34" charset="0"/>
+                <a:cs typeface="Arial" panose="020B0604020202020204" pitchFamily="34" charset="0"/>
+              </a:rPr>
+              <a:t>Gene set enrichment analysis of the protein-protein interactome using the KEGG pathway database, reporting the top-5 most enriched pathways.</a:t>
+            </a:r>
+          </a:p>
+        </p:txBody>
+      </p:sp>
+      <p:sp>
+        <p:nvSpPr>
+          <p:cNvPr id="5" name="TextBox 4">
+            <a:extLst>
+              <a:ext uri="{FF2B5EF4-FFF2-40B4-BE49-F238E27FC236}">
+                <a16:creationId xmlns:a16="http://schemas.microsoft.com/office/drawing/2014/main" id="{68411C9C-AFF7-0F43-927A-DE8DFDF84D26}"/>
+              </a:ext>
+            </a:extLst>
+          </p:cNvPr>
+          <p:cNvSpPr txBox="1"/>
+          <p:nvPr/>
+        </p:nvSpPr>
+        <p:spPr>
+          <a:xfrm>
+            <a:off x="0" y="0"/>
+            <a:ext cx="442750" cy="369332"/>
+          </a:xfrm>
+          <a:prstGeom prst="rect">
+            <a:avLst/>
+          </a:prstGeom>
+          <a:noFill/>
+        </p:spPr>
+        <p:txBody>
+          <a:bodyPr wrap="none" rtlCol="0">
+            <a:spAutoFit/>
+          </a:bodyPr>
+          <a:lstStyle/>
+          <a:p>
+            <a:r>
+              <a:rPr lang="en-US" b="1" dirty="0"/>
+              <a:t>(a)</a:t>
+            </a:r>
+          </a:p>
+        </p:txBody>
+      </p:sp>
+      <p:sp>
+        <p:nvSpPr>
+          <p:cNvPr id="7" name="TextBox 6">
+            <a:extLst>
+              <a:ext uri="{FF2B5EF4-FFF2-40B4-BE49-F238E27FC236}">
+                <a16:creationId xmlns:a16="http://schemas.microsoft.com/office/drawing/2014/main" id="{CC948110-2BEB-A448-B888-44E15A4D4837}"/>
+              </a:ext>
+            </a:extLst>
+          </p:cNvPr>
+          <p:cNvSpPr txBox="1"/>
+          <p:nvPr/>
+        </p:nvSpPr>
+        <p:spPr>
+          <a:xfrm>
+            <a:off x="0" y="3748226"/>
+            <a:ext cx="452368" cy="369332"/>
+          </a:xfrm>
+          <a:prstGeom prst="rect">
+            <a:avLst/>
+          </a:prstGeom>
+          <a:noFill/>
+        </p:spPr>
+        <p:txBody>
+          <a:bodyPr wrap="none" rtlCol="0">
+            <a:spAutoFit/>
+          </a:bodyPr>
+          <a:lstStyle/>
+          <a:p>
+            <a:r>
+              <a:rPr lang="en-US" b="1" dirty="0"/>
+              <a:t>(b)</a:t>
             </a:r>
           </a:p>
         </p:txBody>

--- a/Supplemental Figures.pptx
+++ b/Supplemental Figures.pptx
@@ -6,7 +6,8 @@
   </p:sldMasterIdLst>
   <p:sldIdLst>
     <p:sldId id="256" r:id="rId2"/>
-    <p:sldId id="257" r:id="rId3"/>
+    <p:sldId id="258" r:id="rId3"/>
+    <p:sldId id="257" r:id="rId4"/>
   </p:sldIdLst>
   <p:sldSz cx="7772400" cy="10058400"/>
   <p:notesSz cx="6858000" cy="9144000"/>
@@ -244,7 +245,7 @@
           <a:p>
             <a:fld id="{95B3ABA4-46C5-9042-A060-0BC9209497B0}" type="datetimeFigureOut">
               <a:rPr lang="en-US" smtClean="0"/>
-              <a:t>11/7/18</a:t>
+              <a:t>2/11/19</a:t>
             </a:fld>
             <a:endParaRPr lang="en-US"/>
           </a:p>
@@ -414,7 +415,7 @@
           <a:p>
             <a:fld id="{95B3ABA4-46C5-9042-A060-0BC9209497B0}" type="datetimeFigureOut">
               <a:rPr lang="en-US" smtClean="0"/>
-              <a:t>11/7/18</a:t>
+              <a:t>2/11/19</a:t>
             </a:fld>
             <a:endParaRPr lang="en-US"/>
           </a:p>
@@ -594,7 +595,7 @@
           <a:p>
             <a:fld id="{95B3ABA4-46C5-9042-A060-0BC9209497B0}" type="datetimeFigureOut">
               <a:rPr lang="en-US" smtClean="0"/>
-              <a:t>11/7/18</a:t>
+              <a:t>2/11/19</a:t>
             </a:fld>
             <a:endParaRPr lang="en-US"/>
           </a:p>
@@ -764,7 +765,7 @@
           <a:p>
             <a:fld id="{95B3ABA4-46C5-9042-A060-0BC9209497B0}" type="datetimeFigureOut">
               <a:rPr lang="en-US" smtClean="0"/>
-              <a:t>11/7/18</a:t>
+              <a:t>2/11/19</a:t>
             </a:fld>
             <a:endParaRPr lang="en-US"/>
           </a:p>
@@ -1008,7 +1009,7 @@
           <a:p>
             <a:fld id="{95B3ABA4-46C5-9042-A060-0BC9209497B0}" type="datetimeFigureOut">
               <a:rPr lang="en-US" smtClean="0"/>
-              <a:t>11/7/18</a:t>
+              <a:t>2/11/19</a:t>
             </a:fld>
             <a:endParaRPr lang="en-US"/>
           </a:p>
@@ -1240,7 +1241,7 @@
           <a:p>
             <a:fld id="{95B3ABA4-46C5-9042-A060-0BC9209497B0}" type="datetimeFigureOut">
               <a:rPr lang="en-US" smtClean="0"/>
-              <a:t>11/7/18</a:t>
+              <a:t>2/11/19</a:t>
             </a:fld>
             <a:endParaRPr lang="en-US"/>
           </a:p>
@@ -1607,7 +1608,7 @@
           <a:p>
             <a:fld id="{95B3ABA4-46C5-9042-A060-0BC9209497B0}" type="datetimeFigureOut">
               <a:rPr lang="en-US" smtClean="0"/>
-              <a:t>11/7/18</a:t>
+              <a:t>2/11/19</a:t>
             </a:fld>
             <a:endParaRPr lang="en-US"/>
           </a:p>
@@ -1725,7 +1726,7 @@
           <a:p>
             <a:fld id="{95B3ABA4-46C5-9042-A060-0BC9209497B0}" type="datetimeFigureOut">
               <a:rPr lang="en-US" smtClean="0"/>
-              <a:t>11/7/18</a:t>
+              <a:t>2/11/19</a:t>
             </a:fld>
             <a:endParaRPr lang="en-US"/>
           </a:p>
@@ -1820,7 +1821,7 @@
           <a:p>
             <a:fld id="{95B3ABA4-46C5-9042-A060-0BC9209497B0}" type="datetimeFigureOut">
               <a:rPr lang="en-US" smtClean="0"/>
-              <a:t>11/7/18</a:t>
+              <a:t>2/11/19</a:t>
             </a:fld>
             <a:endParaRPr lang="en-US"/>
           </a:p>
@@ -2097,7 +2098,7 @@
           <a:p>
             <a:fld id="{95B3ABA4-46C5-9042-A060-0BC9209497B0}" type="datetimeFigureOut">
               <a:rPr lang="en-US" smtClean="0"/>
-              <a:t>11/7/18</a:t>
+              <a:t>2/11/19</a:t>
             </a:fld>
             <a:endParaRPr lang="en-US"/>
           </a:p>
@@ -2354,7 +2355,7 @@
           <a:p>
             <a:fld id="{95B3ABA4-46C5-9042-A060-0BC9209497B0}" type="datetimeFigureOut">
               <a:rPr lang="en-US" smtClean="0"/>
-              <a:t>11/7/18</a:t>
+              <a:t>2/11/19</a:t>
             </a:fld>
             <a:endParaRPr lang="en-US"/>
           </a:p>
@@ -2567,7 +2568,7 @@
           <a:p>
             <a:fld id="{95B3ABA4-46C5-9042-A060-0BC9209497B0}" type="datetimeFigureOut">
               <a:rPr lang="en-US" smtClean="0"/>
-              <a:t>11/7/18</a:t>
+              <a:t>2/11/19</a:t>
             </a:fld>
             <a:endParaRPr lang="en-US"/>
           </a:p>
@@ -3025,29 +3026,7 @@
                 <a:ea typeface="Calibri" panose="020F0502020204030204" pitchFamily="34" charset="0"/>
                 <a:cs typeface="Arial" panose="020B0604020202020204" pitchFamily="34" charset="0"/>
               </a:rPr>
-              <a:t>Unsupervised two-dimensional principal component analysis using normalized microarray beta values. Black circles (βPRLRKO); Red circles (WT</a:t>
-            </a:r>
-            <a:r>
-              <a:rPr lang="en-US" sz="1200" u="sng" dirty="0">
-                <a:solidFill>
-                  <a:srgbClr val="000000"/>
-                </a:solidFill>
-                <a:latin typeface="Arial" panose="020B0604020202020204" pitchFamily="34" charset="0"/>
-                <a:ea typeface="Calibri" panose="020F0502020204030204" pitchFamily="34" charset="0"/>
-                <a:cs typeface="Arial" panose="020B0604020202020204" pitchFamily="34" charset="0"/>
-              </a:rPr>
-              <a:t>)</a:t>
-            </a:r>
-            <a:r>
-              <a:rPr lang="en-US" sz="1200" dirty="0">
-                <a:solidFill>
-                  <a:srgbClr val="000000"/>
-                </a:solidFill>
-                <a:latin typeface="Arial" panose="020B0604020202020204" pitchFamily="34" charset="0"/>
-                <a:ea typeface="Calibri" panose="020F0502020204030204" pitchFamily="34" charset="0"/>
-                <a:cs typeface="Arial" panose="020B0604020202020204" pitchFamily="34" charset="0"/>
-              </a:rPr>
-              <a:t>.</a:t>
+              <a:t>Unsupervised two-dimensional principal component analysis using normalized microarray beta values. Black circles (βPRLRKO); Red circles (CON).</a:t>
             </a:r>
             <a:endParaRPr lang="en-US" sz="1200" dirty="0">
               <a:latin typeface="Arial" panose="020B0604020202020204" pitchFamily="34" charset="0"/>
@@ -3087,6 +3066,94 @@
           </a:prstGeom>
         </p:spPr>
       </p:pic>
+      <p:sp>
+        <p:nvSpPr>
+          <p:cNvPr id="4" name="TextBox 3">
+            <a:extLst>
+              <a:ext uri="{FF2B5EF4-FFF2-40B4-BE49-F238E27FC236}">
+                <a16:creationId xmlns:a16="http://schemas.microsoft.com/office/drawing/2014/main" id="{A83178A1-FDAD-A54A-8602-4D9E01E88017}"/>
+              </a:ext>
+            </a:extLst>
+          </p:cNvPr>
+          <p:cNvSpPr txBox="1"/>
+          <p:nvPr/>
+        </p:nvSpPr>
+        <p:spPr>
+          <a:xfrm>
+            <a:off x="5208365" y="-48827"/>
+            <a:ext cx="2564035" cy="369332"/>
+          </a:xfrm>
+          <a:prstGeom prst="rect">
+            <a:avLst/>
+          </a:prstGeom>
+          <a:noFill/>
+        </p:spPr>
+        <p:txBody>
+          <a:bodyPr wrap="none" rtlCol="0">
+            <a:spAutoFit/>
+          </a:bodyPr>
+          <a:lstStyle/>
+          <a:p>
+            <a:pPr algn="r"/>
+            <a:r>
+              <a:rPr lang="en-US" b="1" dirty="0"/>
+              <a:t>Supplementary Figure S1</a:t>
+            </a:r>
+          </a:p>
+        </p:txBody>
+      </p:sp>
+      <p:sp>
+        <p:nvSpPr>
+          <p:cNvPr id="5" name="Rectangle 4">
+            <a:extLst>
+              <a:ext uri="{FF2B5EF4-FFF2-40B4-BE49-F238E27FC236}">
+                <a16:creationId xmlns:a16="http://schemas.microsoft.com/office/drawing/2014/main" id="{0DD31415-4DDD-074E-BACA-547102B7CB27}"/>
+              </a:ext>
+            </a:extLst>
+          </p:cNvPr>
+          <p:cNvSpPr/>
+          <p:nvPr/>
+        </p:nvSpPr>
+        <p:spPr>
+          <a:xfrm>
+            <a:off x="12413" y="0"/>
+            <a:ext cx="475859" cy="320505"/>
+          </a:xfrm>
+          <a:prstGeom prst="rect">
+            <a:avLst/>
+          </a:prstGeom>
+          <a:solidFill>
+            <a:schemeClr val="bg1"/>
+          </a:solidFill>
+          <a:ln>
+            <a:noFill/>
+          </a:ln>
+        </p:spPr>
+        <p:style>
+          <a:lnRef idx="2">
+            <a:schemeClr val="accent1">
+              <a:shade val="50000"/>
+            </a:schemeClr>
+          </a:lnRef>
+          <a:fillRef idx="1">
+            <a:schemeClr val="accent1"/>
+          </a:fillRef>
+          <a:effectRef idx="0">
+            <a:schemeClr val="accent1"/>
+          </a:effectRef>
+          <a:fontRef idx="minor">
+            <a:schemeClr val="lt1"/>
+          </a:fontRef>
+        </p:style>
+        <p:txBody>
+          <a:bodyPr rtlCol="0" anchor="ctr"/>
+          <a:lstStyle/>
+          <a:p>
+            <a:pPr algn="ctr"/>
+            <a:endParaRPr lang="en-US"/>
+          </a:p>
+        </p:txBody>
+      </p:sp>
     </p:spTree>
     <p:extLst>
       <p:ext uri="{BB962C8B-B14F-4D97-AF65-F5344CB8AC3E}">
@@ -3101,6 +3168,284 @@
 </file>
 
 <file path=ppt/slides/slide2.xml><?xml version="1.0" encoding="utf-8"?>
+<p:sld xmlns:a="http://schemas.openxmlformats.org/drawingml/2006/main" xmlns:r="http://schemas.openxmlformats.org/officeDocument/2006/relationships" xmlns:p="http://schemas.openxmlformats.org/presentationml/2006/main">
+  <p:cSld>
+    <p:spTree>
+      <p:nvGrpSpPr>
+        <p:cNvPr id="1" name=""/>
+        <p:cNvGrpSpPr/>
+        <p:nvPr/>
+      </p:nvGrpSpPr>
+      <p:grpSpPr>
+        <a:xfrm>
+          <a:off x="0" y="0"/>
+          <a:ext cx="0" cy="0"/>
+          <a:chOff x="0" y="0"/>
+          <a:chExt cx="0" cy="0"/>
+        </a:xfrm>
+      </p:grpSpPr>
+      <p:sp>
+        <p:nvSpPr>
+          <p:cNvPr id="5" name="TextBox 4">
+            <a:extLst>
+              <a:ext uri="{FF2B5EF4-FFF2-40B4-BE49-F238E27FC236}">
+                <a16:creationId xmlns:a16="http://schemas.microsoft.com/office/drawing/2014/main" id="{A743748E-C1C1-504C-806D-08813A7D4137}"/>
+              </a:ext>
+            </a:extLst>
+          </p:cNvPr>
+          <p:cNvSpPr txBox="1"/>
+          <p:nvPr/>
+        </p:nvSpPr>
+        <p:spPr>
+          <a:xfrm>
+            <a:off x="25603" y="160860"/>
+            <a:ext cx="402674" cy="307777"/>
+          </a:xfrm>
+          <a:prstGeom prst="rect">
+            <a:avLst/>
+          </a:prstGeom>
+          <a:noFill/>
+        </p:spPr>
+        <p:txBody>
+          <a:bodyPr wrap="none" rtlCol="0">
+            <a:spAutoFit/>
+          </a:bodyPr>
+          <a:lstStyle/>
+          <a:p>
+            <a:r>
+              <a:rPr lang="en-US" sz="1400" b="1" dirty="0"/>
+              <a:t>(a)</a:t>
+            </a:r>
+          </a:p>
+        </p:txBody>
+      </p:sp>
+      <p:sp>
+        <p:nvSpPr>
+          <p:cNvPr id="6" name="TextBox 5">
+            <a:extLst>
+              <a:ext uri="{FF2B5EF4-FFF2-40B4-BE49-F238E27FC236}">
+                <a16:creationId xmlns:a16="http://schemas.microsoft.com/office/drawing/2014/main" id="{972C86A7-A03B-6E44-B998-84CE308462FA}"/>
+              </a:ext>
+            </a:extLst>
+          </p:cNvPr>
+          <p:cNvSpPr txBox="1"/>
+          <p:nvPr/>
+        </p:nvSpPr>
+        <p:spPr>
+          <a:xfrm>
+            <a:off x="2177400" y="160859"/>
+            <a:ext cx="412292" cy="307777"/>
+          </a:xfrm>
+          <a:prstGeom prst="rect">
+            <a:avLst/>
+          </a:prstGeom>
+          <a:noFill/>
+        </p:spPr>
+        <p:txBody>
+          <a:bodyPr wrap="none" rtlCol="0">
+            <a:spAutoFit/>
+          </a:bodyPr>
+          <a:lstStyle/>
+          <a:p>
+            <a:r>
+              <a:rPr lang="en-US" sz="1400" b="1" dirty="0"/>
+              <a:t>(b)</a:t>
+            </a:r>
+          </a:p>
+        </p:txBody>
+      </p:sp>
+      <p:sp>
+        <p:nvSpPr>
+          <p:cNvPr id="8" name="Rectangle 7">
+            <a:extLst>
+              <a:ext uri="{FF2B5EF4-FFF2-40B4-BE49-F238E27FC236}">
+                <a16:creationId xmlns:a16="http://schemas.microsoft.com/office/drawing/2014/main" id="{893A1C97-26D7-6C45-879D-8F39CD3B07B9}"/>
+              </a:ext>
+            </a:extLst>
+          </p:cNvPr>
+          <p:cNvSpPr/>
+          <p:nvPr/>
+        </p:nvSpPr>
+        <p:spPr>
+          <a:xfrm>
+            <a:off x="12412" y="3410261"/>
+            <a:ext cx="5908993" cy="830997"/>
+          </a:xfrm>
+          <a:prstGeom prst="rect">
+            <a:avLst/>
+          </a:prstGeom>
+        </p:spPr>
+        <p:txBody>
+          <a:bodyPr wrap="square">
+            <a:spAutoFit/>
+          </a:bodyPr>
+          <a:lstStyle/>
+          <a:p>
+            <a:pPr algn="just"/>
+            <a:r>
+              <a:rPr lang="en-US" sz="1200" b="1" dirty="0">
+                <a:latin typeface="Arial" panose="020B0604020202020204" pitchFamily="34" charset="0"/>
+                <a:ea typeface="Calibri" panose="020F0502020204030204" pitchFamily="34" charset="0"/>
+                <a:cs typeface="Arial" panose="020B0604020202020204" pitchFamily="34" charset="0"/>
+              </a:rPr>
+              <a:t>Supplemental Figure S2</a:t>
+            </a:r>
+            <a:r>
+              <a:rPr lang="en-US" sz="1200" dirty="0">
+                <a:latin typeface="Arial" panose="020B0604020202020204" pitchFamily="34" charset="0"/>
+                <a:ea typeface="Calibri" panose="020F0502020204030204" pitchFamily="34" charset="0"/>
+                <a:cs typeface="Arial" panose="020B0604020202020204" pitchFamily="34" charset="0"/>
+              </a:rPr>
+              <a:t>: </a:t>
+            </a:r>
+            <a:r>
+              <a:rPr lang="en-US" sz="1200" b="1" dirty="0">
+                <a:solidFill>
+                  <a:srgbClr val="000000"/>
+                </a:solidFill>
+                <a:latin typeface="Times New Roman" panose="02020603050405020304" pitchFamily="18" charset="0"/>
+                <a:ea typeface="Calibri" panose="020F0502020204030204" pitchFamily="34" charset="0"/>
+              </a:rPr>
+              <a:t>(a)</a:t>
+            </a:r>
+            <a:r>
+              <a:rPr lang="en-US" sz="1200" dirty="0">
+                <a:solidFill>
+                  <a:srgbClr val="000000"/>
+                </a:solidFill>
+                <a:latin typeface="Times New Roman" panose="02020603050405020304" pitchFamily="18" charset="0"/>
+                <a:ea typeface="Calibri" panose="020F0502020204030204" pitchFamily="34" charset="0"/>
+              </a:rPr>
+              <a:t> Body weight (grams) of βPRLRKO mice and littermate controls (CON) at baseline (t = 0) and following twelve weeks of standard chow (chow) or 60% HFD feeding (</a:t>
+            </a:r>
+            <a:r>
+              <a:rPr lang="en-US" sz="1200" i="1" dirty="0">
+                <a:solidFill>
+                  <a:srgbClr val="000000"/>
+                </a:solidFill>
+                <a:latin typeface="Times New Roman" panose="02020603050405020304" pitchFamily="18" charset="0"/>
+                <a:ea typeface="Calibri" panose="020F0502020204030204" pitchFamily="34" charset="0"/>
+              </a:rPr>
+              <a:t>n</a:t>
+            </a:r>
+            <a:r>
+              <a:rPr lang="en-US" sz="1200" dirty="0">
+                <a:solidFill>
+                  <a:srgbClr val="000000"/>
+                </a:solidFill>
+                <a:latin typeface="Times New Roman" panose="02020603050405020304" pitchFamily="18" charset="0"/>
+                <a:ea typeface="Calibri" panose="020F0502020204030204" pitchFamily="34" charset="0"/>
+              </a:rPr>
+              <a:t> = 6). </a:t>
+            </a:r>
+            <a:r>
+              <a:rPr lang="en-US" sz="1200" b="1" dirty="0">
+                <a:solidFill>
+                  <a:srgbClr val="000000"/>
+                </a:solidFill>
+                <a:latin typeface="Times New Roman" panose="02020603050405020304" pitchFamily="18" charset="0"/>
+                <a:ea typeface="Calibri" panose="020F0502020204030204" pitchFamily="34" charset="0"/>
+              </a:rPr>
+              <a:t>(b)</a:t>
+            </a:r>
+            <a:r>
+              <a:rPr lang="en-US" sz="1200" dirty="0">
+                <a:solidFill>
+                  <a:srgbClr val="000000"/>
+                </a:solidFill>
+                <a:latin typeface="Times New Roman" panose="02020603050405020304" pitchFamily="18" charset="0"/>
+                <a:ea typeface="Calibri" panose="020F0502020204030204" pitchFamily="34" charset="0"/>
+              </a:rPr>
+              <a:t> Intraperitoneal glucose tolerance testing and area under the curve (AUC) of HFD and chow-fed mice.</a:t>
+            </a:r>
+            <a:endParaRPr lang="en-US" sz="1200" dirty="0">
+              <a:latin typeface="Arial" panose="020B0604020202020204" pitchFamily="34" charset="0"/>
+              <a:ea typeface="Calibri" panose="020F0502020204030204" pitchFamily="34" charset="0"/>
+              <a:cs typeface="Arial" panose="020B0604020202020204" pitchFamily="34" charset="0"/>
+            </a:endParaRPr>
+          </a:p>
+        </p:txBody>
+      </p:sp>
+      <p:pic>
+        <p:nvPicPr>
+          <p:cNvPr id="3" name="Picture 2">
+            <a:extLst>
+              <a:ext uri="{FF2B5EF4-FFF2-40B4-BE49-F238E27FC236}">
+                <a16:creationId xmlns:a16="http://schemas.microsoft.com/office/drawing/2014/main" id="{AD3ACBB9-DB7B-8246-B8A5-F15E490E7FBF}"/>
+              </a:ext>
+            </a:extLst>
+          </p:cNvPr>
+          <p:cNvPicPr>
+            <a:picLocks noChangeAspect="1"/>
+          </p:cNvPicPr>
+          <p:nvPr/>
+        </p:nvPicPr>
+        <p:blipFill>
+          <a:blip r:embed="rId2"/>
+          <a:stretch>
+            <a:fillRect/>
+          </a:stretch>
+        </p:blipFill>
+        <p:spPr>
+          <a:xfrm>
+            <a:off x="-1" y="468635"/>
+            <a:ext cx="5921405" cy="3005789"/>
+          </a:xfrm>
+          <a:prstGeom prst="rect">
+            <a:avLst/>
+          </a:prstGeom>
+        </p:spPr>
+      </p:pic>
+      <p:sp>
+        <p:nvSpPr>
+          <p:cNvPr id="9" name="TextBox 8">
+            <a:extLst>
+              <a:ext uri="{FF2B5EF4-FFF2-40B4-BE49-F238E27FC236}">
+                <a16:creationId xmlns:a16="http://schemas.microsoft.com/office/drawing/2014/main" id="{098D11C4-3CC7-BE4A-A7C5-80DDA7E569C2}"/>
+              </a:ext>
+            </a:extLst>
+          </p:cNvPr>
+          <p:cNvSpPr txBox="1"/>
+          <p:nvPr/>
+        </p:nvSpPr>
+        <p:spPr>
+          <a:xfrm>
+            <a:off x="5208365" y="-48827"/>
+            <a:ext cx="2564035" cy="369332"/>
+          </a:xfrm>
+          <a:prstGeom prst="rect">
+            <a:avLst/>
+          </a:prstGeom>
+          <a:noFill/>
+        </p:spPr>
+        <p:txBody>
+          <a:bodyPr wrap="none" rtlCol="0">
+            <a:spAutoFit/>
+          </a:bodyPr>
+          <a:lstStyle/>
+          <a:p>
+            <a:pPr algn="r"/>
+            <a:r>
+              <a:rPr lang="en-US" b="1" dirty="0"/>
+              <a:t>Supplementary Figure S2</a:t>
+            </a:r>
+          </a:p>
+        </p:txBody>
+      </p:sp>
+    </p:spTree>
+    <p:extLst>
+      <p:ext uri="{BB962C8B-B14F-4D97-AF65-F5344CB8AC3E}">
+        <p14:creationId xmlns:p14="http://schemas.microsoft.com/office/powerpoint/2010/main" val="1271960771"/>
+      </p:ext>
+    </p:extLst>
+  </p:cSld>
+  <p:clrMapOvr>
+    <a:masterClrMapping/>
+  </p:clrMapOvr>
+</p:sld>
+</file>
+
+<file path=ppt/slides/slide3.xml><?xml version="1.0" encoding="utf-8"?>
 <p:sld xmlns:a="http://schemas.openxmlformats.org/drawingml/2006/main" xmlns:r="http://schemas.openxmlformats.org/officeDocument/2006/relationships" xmlns:p="http://schemas.openxmlformats.org/presentationml/2006/main">
   <p:cSld>
     <p:spTree>
@@ -4126,10 +4471,159 @@
       </p:pic>
       <p:sp>
         <p:nvSpPr>
-          <p:cNvPr id="4" name="TextBox 3">
+          <p:cNvPr id="6" name="Rectangle 5">
             <a:extLst>
               <a:ext uri="{FF2B5EF4-FFF2-40B4-BE49-F238E27FC236}">
-                <a16:creationId xmlns:a16="http://schemas.microsoft.com/office/drawing/2014/main" id="{8771CE3E-046D-D24E-9CAE-A5B21441438E}"/>
+                <a16:creationId xmlns:a16="http://schemas.microsoft.com/office/drawing/2014/main" id="{F7FB0E5E-689D-9341-BFAB-07EA959F555B}"/>
+              </a:ext>
+            </a:extLst>
+          </p:cNvPr>
+          <p:cNvSpPr/>
+          <p:nvPr/>
+        </p:nvSpPr>
+        <p:spPr>
+          <a:xfrm>
+            <a:off x="-6171" y="6884484"/>
+            <a:ext cx="4924159" cy="1200329"/>
+          </a:xfrm>
+          <a:prstGeom prst="rect">
+            <a:avLst/>
+          </a:prstGeom>
+        </p:spPr>
+        <p:txBody>
+          <a:bodyPr wrap="square">
+            <a:spAutoFit/>
+          </a:bodyPr>
+          <a:lstStyle/>
+          <a:p>
+            <a:pPr algn="just"/>
+            <a:r>
+              <a:rPr lang="en-US" sz="1200" b="1" dirty="0">
+                <a:latin typeface="Arial" panose="020B0604020202020204" pitchFamily="34" charset="0"/>
+                <a:ea typeface="Calibri" panose="020F0502020204030204" pitchFamily="34" charset="0"/>
+                <a:cs typeface="Arial" panose="020B0604020202020204" pitchFamily="34" charset="0"/>
+              </a:rPr>
+              <a:t>Supplemental Figure S3. (a) </a:t>
+            </a:r>
+            <a:r>
+              <a:rPr lang="en-US" sz="1200" dirty="0">
+                <a:latin typeface="Arial" panose="020B0604020202020204" pitchFamily="34" charset="0"/>
+                <a:ea typeface="Calibri" panose="020F0502020204030204" pitchFamily="34" charset="0"/>
+                <a:cs typeface="Arial" panose="020B0604020202020204" pitchFamily="34" charset="0"/>
+              </a:rPr>
+              <a:t>Protein-protein interaction network of RNA-sequencing dataset generated by Cruciani </a:t>
+            </a:r>
+            <a:r>
+              <a:rPr lang="en-US" sz="1200" i="1" dirty="0">
+                <a:latin typeface="Arial" panose="020B0604020202020204" pitchFamily="34" charset="0"/>
+                <a:ea typeface="Calibri" panose="020F0502020204030204" pitchFamily="34" charset="0"/>
+                <a:cs typeface="Arial" panose="020B0604020202020204" pitchFamily="34" charset="0"/>
+              </a:rPr>
+              <a:t>et al.</a:t>
+            </a:r>
+            <a:r>
+              <a:rPr lang="en-US" sz="1200" dirty="0">
+                <a:latin typeface="Arial" panose="020B0604020202020204" pitchFamily="34" charset="0"/>
+                <a:ea typeface="Calibri" panose="020F0502020204030204" pitchFamily="34" charset="0"/>
+                <a:cs typeface="Arial" panose="020B0604020202020204" pitchFamily="34" charset="0"/>
+              </a:rPr>
+              <a:t> (PMID: 28377873) of 30-day HFD for the C57BL/6J mice (n = 6) relative to normal chow-fed mice. </a:t>
+            </a:r>
+            <a:r>
+              <a:rPr lang="en-US" sz="1200" b="1" dirty="0">
+                <a:latin typeface="Arial" panose="020B0604020202020204" pitchFamily="34" charset="0"/>
+                <a:ea typeface="Calibri" panose="020F0502020204030204" pitchFamily="34" charset="0"/>
+                <a:cs typeface="Arial" panose="020B0604020202020204" pitchFamily="34" charset="0"/>
+              </a:rPr>
+              <a:t>(b) </a:t>
+            </a:r>
+            <a:r>
+              <a:rPr lang="en-US" sz="1200" dirty="0">
+                <a:latin typeface="Arial" panose="020B0604020202020204" pitchFamily="34" charset="0"/>
+                <a:ea typeface="Calibri" panose="020F0502020204030204" pitchFamily="34" charset="0"/>
+                <a:cs typeface="Arial" panose="020B0604020202020204" pitchFamily="34" charset="0"/>
+              </a:rPr>
+              <a:t>Gene set enrichment analysis of the protein-protein interactome using the KEGG pathway database, reporting the top-5 most enriched pathways.</a:t>
+            </a:r>
+          </a:p>
+        </p:txBody>
+      </p:sp>
+      <p:sp>
+        <p:nvSpPr>
+          <p:cNvPr id="5" name="TextBox 4">
+            <a:extLst>
+              <a:ext uri="{FF2B5EF4-FFF2-40B4-BE49-F238E27FC236}">
+                <a16:creationId xmlns:a16="http://schemas.microsoft.com/office/drawing/2014/main" id="{68411C9C-AFF7-0F43-927A-DE8DFDF84D26}"/>
+              </a:ext>
+            </a:extLst>
+          </p:cNvPr>
+          <p:cNvSpPr txBox="1"/>
+          <p:nvPr/>
+        </p:nvSpPr>
+        <p:spPr>
+          <a:xfrm>
+            <a:off x="0" y="0"/>
+            <a:ext cx="442750" cy="369332"/>
+          </a:xfrm>
+          <a:prstGeom prst="rect">
+            <a:avLst/>
+          </a:prstGeom>
+          <a:noFill/>
+        </p:spPr>
+        <p:txBody>
+          <a:bodyPr wrap="none" rtlCol="0">
+            <a:spAutoFit/>
+          </a:bodyPr>
+          <a:lstStyle/>
+          <a:p>
+            <a:r>
+              <a:rPr lang="en-US" b="1" dirty="0"/>
+              <a:t>(a)</a:t>
+            </a:r>
+          </a:p>
+        </p:txBody>
+      </p:sp>
+      <p:sp>
+        <p:nvSpPr>
+          <p:cNvPr id="7" name="TextBox 6">
+            <a:extLst>
+              <a:ext uri="{FF2B5EF4-FFF2-40B4-BE49-F238E27FC236}">
+                <a16:creationId xmlns:a16="http://schemas.microsoft.com/office/drawing/2014/main" id="{CC948110-2BEB-A448-B888-44E15A4D4837}"/>
+              </a:ext>
+            </a:extLst>
+          </p:cNvPr>
+          <p:cNvSpPr txBox="1"/>
+          <p:nvPr/>
+        </p:nvSpPr>
+        <p:spPr>
+          <a:xfrm>
+            <a:off x="0" y="3748226"/>
+            <a:ext cx="452368" cy="369332"/>
+          </a:xfrm>
+          <a:prstGeom prst="rect">
+            <a:avLst/>
+          </a:prstGeom>
+          <a:noFill/>
+        </p:spPr>
+        <p:txBody>
+          <a:bodyPr wrap="none" rtlCol="0">
+            <a:spAutoFit/>
+          </a:bodyPr>
+          <a:lstStyle/>
+          <a:p>
+            <a:r>
+              <a:rPr lang="en-US" b="1" dirty="0"/>
+              <a:t>(b)</a:t>
+            </a:r>
+          </a:p>
+        </p:txBody>
+      </p:sp>
+      <p:sp>
+        <p:nvSpPr>
+          <p:cNvPr id="8" name="TextBox 7">
+            <a:extLst>
+              <a:ext uri="{FF2B5EF4-FFF2-40B4-BE49-F238E27FC236}">
+                <a16:creationId xmlns:a16="http://schemas.microsoft.com/office/drawing/2014/main" id="{756188E4-047D-D248-B0C4-CF47B122BE5B}"/>
               </a:ext>
             </a:extLst>
           </p:cNvPr>
@@ -4155,156 +4649,7 @@
             <a:pPr algn="r"/>
             <a:r>
               <a:rPr lang="en-US" b="1" dirty="0"/>
-              <a:t>Supplementary Figure S2</a:t>
-            </a:r>
-          </a:p>
-        </p:txBody>
-      </p:sp>
-      <p:sp>
-        <p:nvSpPr>
-          <p:cNvPr id="6" name="Rectangle 5">
-            <a:extLst>
-              <a:ext uri="{FF2B5EF4-FFF2-40B4-BE49-F238E27FC236}">
-                <a16:creationId xmlns:a16="http://schemas.microsoft.com/office/drawing/2014/main" id="{F7FB0E5E-689D-9341-BFAB-07EA959F555B}"/>
-              </a:ext>
-            </a:extLst>
-          </p:cNvPr>
-          <p:cNvSpPr/>
-          <p:nvPr/>
-        </p:nvSpPr>
-        <p:spPr>
-          <a:xfrm>
-            <a:off x="-6171" y="6884484"/>
-            <a:ext cx="4924159" cy="1200329"/>
-          </a:xfrm>
-          <a:prstGeom prst="rect">
-            <a:avLst/>
-          </a:prstGeom>
-        </p:spPr>
-        <p:txBody>
-          <a:bodyPr wrap="square">
-            <a:spAutoFit/>
-          </a:bodyPr>
-          <a:lstStyle/>
-          <a:p>
-            <a:pPr algn="just"/>
-            <a:r>
-              <a:rPr lang="en-US" sz="1200" b="1" dirty="0">
-                <a:latin typeface="Arial" panose="020B0604020202020204" pitchFamily="34" charset="0"/>
-                <a:ea typeface="Calibri" panose="020F0502020204030204" pitchFamily="34" charset="0"/>
-                <a:cs typeface="Arial" panose="020B0604020202020204" pitchFamily="34" charset="0"/>
-              </a:rPr>
-              <a:t>Supplemental Figure S12. (a) </a:t>
-            </a:r>
-            <a:r>
-              <a:rPr lang="en-US" sz="1200" dirty="0">
-                <a:latin typeface="Arial" panose="020B0604020202020204" pitchFamily="34" charset="0"/>
-                <a:ea typeface="Calibri" panose="020F0502020204030204" pitchFamily="34" charset="0"/>
-                <a:cs typeface="Arial" panose="020B0604020202020204" pitchFamily="34" charset="0"/>
-              </a:rPr>
-              <a:t>Protein-protein interaction network of RNA-sequencing dataset generated by Cruciani </a:t>
-            </a:r>
-            <a:r>
-              <a:rPr lang="en-US" sz="1200" i="1" dirty="0">
-                <a:latin typeface="Arial" panose="020B0604020202020204" pitchFamily="34" charset="0"/>
-                <a:ea typeface="Calibri" panose="020F0502020204030204" pitchFamily="34" charset="0"/>
-                <a:cs typeface="Arial" panose="020B0604020202020204" pitchFamily="34" charset="0"/>
-              </a:rPr>
-              <a:t>et al.</a:t>
-            </a:r>
-            <a:r>
-              <a:rPr lang="en-US" sz="1200" dirty="0">
-                <a:latin typeface="Arial" panose="020B0604020202020204" pitchFamily="34" charset="0"/>
-                <a:ea typeface="Calibri" panose="020F0502020204030204" pitchFamily="34" charset="0"/>
-                <a:cs typeface="Arial" panose="020B0604020202020204" pitchFamily="34" charset="0"/>
-              </a:rPr>
-              <a:t> (PMID: 28377873) of 30-day HFD for the C57BL/6J mice (n = 6) relative to normal chow-fed mice. </a:t>
-            </a:r>
-            <a:r>
-              <a:rPr lang="en-US" sz="1200" b="1" dirty="0">
-                <a:latin typeface="Arial" panose="020B0604020202020204" pitchFamily="34" charset="0"/>
-                <a:ea typeface="Calibri" panose="020F0502020204030204" pitchFamily="34" charset="0"/>
-                <a:cs typeface="Arial" panose="020B0604020202020204" pitchFamily="34" charset="0"/>
-              </a:rPr>
-              <a:t>(b) </a:t>
-            </a:r>
-            <a:r>
-              <a:rPr lang="en-US" sz="1200" dirty="0">
-                <a:latin typeface="Arial" panose="020B0604020202020204" pitchFamily="34" charset="0"/>
-                <a:ea typeface="Calibri" panose="020F0502020204030204" pitchFamily="34" charset="0"/>
-                <a:cs typeface="Arial" panose="020B0604020202020204" pitchFamily="34" charset="0"/>
-              </a:rPr>
-              <a:t>Gene set enrichment analysis of the protein-protein interactome using the KEGG pathway database, reporting the top-5 most enriched pathways.</a:t>
-            </a:r>
-          </a:p>
-        </p:txBody>
-      </p:sp>
-      <p:sp>
-        <p:nvSpPr>
-          <p:cNvPr id="5" name="TextBox 4">
-            <a:extLst>
-              <a:ext uri="{FF2B5EF4-FFF2-40B4-BE49-F238E27FC236}">
-                <a16:creationId xmlns:a16="http://schemas.microsoft.com/office/drawing/2014/main" id="{68411C9C-AFF7-0F43-927A-DE8DFDF84D26}"/>
-              </a:ext>
-            </a:extLst>
-          </p:cNvPr>
-          <p:cNvSpPr txBox="1"/>
-          <p:nvPr/>
-        </p:nvSpPr>
-        <p:spPr>
-          <a:xfrm>
-            <a:off x="0" y="0"/>
-            <a:ext cx="442750" cy="369332"/>
-          </a:xfrm>
-          <a:prstGeom prst="rect">
-            <a:avLst/>
-          </a:prstGeom>
-          <a:noFill/>
-        </p:spPr>
-        <p:txBody>
-          <a:bodyPr wrap="none" rtlCol="0">
-            <a:spAutoFit/>
-          </a:bodyPr>
-          <a:lstStyle/>
-          <a:p>
-            <a:r>
-              <a:rPr lang="en-US" b="1" dirty="0"/>
-              <a:t>(a)</a:t>
-            </a:r>
-          </a:p>
-        </p:txBody>
-      </p:sp>
-      <p:sp>
-        <p:nvSpPr>
-          <p:cNvPr id="7" name="TextBox 6">
-            <a:extLst>
-              <a:ext uri="{FF2B5EF4-FFF2-40B4-BE49-F238E27FC236}">
-                <a16:creationId xmlns:a16="http://schemas.microsoft.com/office/drawing/2014/main" id="{CC948110-2BEB-A448-B888-44E15A4D4837}"/>
-              </a:ext>
-            </a:extLst>
-          </p:cNvPr>
-          <p:cNvSpPr txBox="1"/>
-          <p:nvPr/>
-        </p:nvSpPr>
-        <p:spPr>
-          <a:xfrm>
-            <a:off x="0" y="3748226"/>
-            <a:ext cx="452368" cy="369332"/>
-          </a:xfrm>
-          <a:prstGeom prst="rect">
-            <a:avLst/>
-          </a:prstGeom>
-          <a:noFill/>
-        </p:spPr>
-        <p:txBody>
-          <a:bodyPr wrap="none" rtlCol="0">
-            <a:spAutoFit/>
-          </a:bodyPr>
-          <a:lstStyle/>
-          <a:p>
-            <a:r>
-              <a:rPr lang="en-US" b="1" dirty="0"/>
-              <a:t>(b)</a:t>
+              <a:t>Supplementary Figure S3</a:t>
             </a:r>
           </a:p>
         </p:txBody>
